--- a/9.Deep_learning/class_9_CV_Topics_project.pptx
+++ b/9.Deep_learning/class_9_CV_Topics_project.pptx
@@ -5,13 +5,13 @@
     <p:sldMasterId id="2147483648" r:id="rId1"/>
   </p:sldMasterIdLst>
   <p:notesMasterIdLst>
-    <p:notesMasterId r:id="rId14"/>
+    <p:notesMasterId r:id="rId25"/>
   </p:notesMasterIdLst>
   <p:sldIdLst>
     <p:sldId id="368" r:id="rId3"/>
-    <p:sldId id="278" r:id="rId4"/>
-    <p:sldId id="272" r:id="rId5"/>
-    <p:sldId id="392" r:id="rId6"/>
+    <p:sldId id="392" r:id="rId4"/>
+    <p:sldId id="400" r:id="rId5"/>
+    <p:sldId id="278" r:id="rId6"/>
     <p:sldId id="394" r:id="rId7"/>
     <p:sldId id="395" r:id="rId8"/>
     <p:sldId id="396" r:id="rId9"/>
@@ -19,6 +19,17 @@
     <p:sldId id="397" r:id="rId11"/>
     <p:sldId id="398" r:id="rId12"/>
     <p:sldId id="391" r:id="rId13"/>
+    <p:sldId id="402" r:id="rId14"/>
+    <p:sldId id="403" r:id="rId15"/>
+    <p:sldId id="404" r:id="rId16"/>
+    <p:sldId id="405" r:id="rId17"/>
+    <p:sldId id="406" r:id="rId18"/>
+    <p:sldId id="401" r:id="rId19"/>
+    <p:sldId id="407" r:id="rId20"/>
+    <p:sldId id="408" r:id="rId21"/>
+    <p:sldId id="409" r:id="rId22"/>
+    <p:sldId id="410" r:id="rId23"/>
+    <p:sldId id="411" r:id="rId24"/>
   </p:sldIdLst>
   <p:sldSz cx="12192000" cy="6858000"/>
   <p:notesSz cx="6858000" cy="9144000"/>
@@ -3464,7 +3475,7 @@
           </a:bodyPr>
           <a:p>
             <a:r>
-              <a:rPr lang="en-IN" altLang="en-US" sz="4400" b="1">
+              <a:rPr lang="en-US" altLang="en-IN" sz="4400" b="1">
                 <a:solidFill>
                   <a:srgbClr val="FF0000"/>
                 </a:solidFill>
@@ -3477,9 +3488,9 @@
                 </a:effectLst>
                 <a:sym typeface="+mn-ea"/>
               </a:rPr>
-              <a:t>Transfer Learning</a:t>
-            </a:r>
-            <a:endParaRPr lang="en-IN" altLang="en-US" sz="4400" b="1">
+              <a:t>Computer Vision Project</a:t>
+            </a:r>
+            <a:endParaRPr lang="en-US" altLang="en-IN" sz="4400" b="1">
               <a:solidFill>
                 <a:srgbClr val="FF0000"/>
               </a:solidFill>
@@ -3491,201 +3502,6 @@
                 </a:outerShdw>
               </a:effectLst>
               <a:sym typeface="+mn-ea"/>
-            </a:endParaRPr>
-          </a:p>
-        </p:txBody>
-      </p:sp>
-      <p:sp>
-        <p:nvSpPr>
-          <p:cNvPr id="3" name="Text Box 2"/>
-          <p:cNvSpPr txBox="1"/>
-          <p:nvPr/>
-        </p:nvSpPr>
-        <p:spPr>
-          <a:xfrm>
-            <a:off x="3556000" y="3137217"/>
-            <a:ext cx="5080000" cy="2799715"/>
-          </a:xfrm>
-          <a:prstGeom prst="rect">
-            <a:avLst/>
-          </a:prstGeom>
-        </p:spPr>
-        <p:txBody>
-          <a:bodyPr>
-            <a:spAutoFit/>
-          </a:bodyPr>
-          <a:p>
-            <a:pPr marL="285750" indent="-285750" algn="l">
-              <a:buFont typeface="Arial" panose="020B0604020202020204" pitchFamily="34" charset="0"/>
-              <a:buChar char="•"/>
-            </a:pPr>
-            <a:r>
-              <a:rPr sz="1600" b="0" i="0">
-                <a:solidFill>
-                  <a:srgbClr val="191D17"/>
-                </a:solidFill>
-                <a:latin typeface="monospace"/>
-                <a:ea typeface="monospace"/>
-              </a:rPr>
-              <a:t> What is Transfer Learning? Transfer Learning in Keras | Fine Tuning Vs Feature Extraction </a:t>
-            </a:r>
-            <a:endParaRPr sz="1600" b="0" i="0">
-              <a:solidFill>
-                <a:srgbClr val="191D17"/>
-              </a:solidFill>
-              <a:latin typeface="monospace"/>
-              <a:ea typeface="monospace"/>
-            </a:endParaRPr>
-          </a:p>
-          <a:p>
-            <a:pPr marL="285750" indent="-285750" algn="l">
-              <a:buFont typeface="Arial" panose="020B0604020202020204" pitchFamily="34" charset="0"/>
-              <a:buChar char="•"/>
-            </a:pPr>
-            <a:endParaRPr lang="en-US" altLang="en-US" sz="1600" b="0" i="0">
-              <a:solidFill>
-                <a:srgbClr val="191D17"/>
-              </a:solidFill>
-              <a:latin typeface="monospace"/>
-              <a:ea typeface="monospace"/>
-            </a:endParaRPr>
-          </a:p>
-          <a:p>
-            <a:pPr marL="285750" indent="-285750" algn="l">
-              <a:buFont typeface="Arial" panose="020B0604020202020204" pitchFamily="34" charset="0"/>
-              <a:buChar char="•"/>
-            </a:pPr>
-            <a:r>
-              <a:rPr lang="en-US" altLang="en-US" sz="1600" b="0" i="0">
-                <a:solidFill>
-                  <a:srgbClr val="191D17"/>
-                </a:solidFill>
-                <a:latin typeface="monospace"/>
-                <a:ea typeface="monospace"/>
-              </a:rPr>
-              <a:t>          Keras Functional Model | How to build non-linear Neural Networks?</a:t>
-            </a:r>
-            <a:endParaRPr lang="en-US" altLang="en-US" sz="1600" b="0" i="0">
-              <a:solidFill>
-                <a:srgbClr val="191D17"/>
-              </a:solidFill>
-              <a:latin typeface="monospace"/>
-              <a:ea typeface="monospace"/>
-            </a:endParaRPr>
-          </a:p>
-          <a:p>
-            <a:pPr marL="285750" indent="-285750" algn="l">
-              <a:buFont typeface="Arial" panose="020B0604020202020204" pitchFamily="34" charset="0"/>
-              <a:buChar char="•"/>
-            </a:pPr>
-            <a:r>
-              <a:rPr lang="en-IN" altLang="en-US" sz="1600" b="0" i="0">
-                <a:solidFill>
-                  <a:srgbClr val="191D17"/>
-                </a:solidFill>
-                <a:latin typeface="monospace"/>
-                <a:ea typeface="monospace"/>
-              </a:rPr>
-              <a:t>Alexnet</a:t>
-            </a:r>
-            <a:endParaRPr lang="en-IN" altLang="en-US" sz="1600" b="0" i="0">
-              <a:solidFill>
-                <a:srgbClr val="191D17"/>
-              </a:solidFill>
-              <a:latin typeface="monospace"/>
-              <a:ea typeface="monospace"/>
-            </a:endParaRPr>
-          </a:p>
-          <a:p>
-            <a:pPr marL="285750" indent="-285750" algn="l">
-              <a:buFont typeface="Arial" panose="020B0604020202020204" pitchFamily="34" charset="0"/>
-              <a:buChar char="•"/>
-            </a:pPr>
-            <a:r>
-              <a:rPr lang="en-IN" altLang="en-US" sz="1600" b="0" i="0">
-                <a:solidFill>
-                  <a:srgbClr val="191D17"/>
-                </a:solidFill>
-                <a:latin typeface="monospace"/>
-                <a:ea typeface="monospace"/>
-              </a:rPr>
-              <a:t>VGG-16</a:t>
-            </a:r>
-            <a:endParaRPr lang="en-IN" altLang="en-US" sz="1600" b="0" i="0">
-              <a:solidFill>
-                <a:srgbClr val="191D17"/>
-              </a:solidFill>
-              <a:latin typeface="monospace"/>
-              <a:ea typeface="monospace"/>
-            </a:endParaRPr>
-          </a:p>
-          <a:p>
-            <a:pPr marL="285750" indent="-285750" algn="l">
-              <a:buFont typeface="Arial" panose="020B0604020202020204" pitchFamily="34" charset="0"/>
-              <a:buChar char="•"/>
-            </a:pPr>
-            <a:r>
-              <a:rPr lang="en-IN" altLang="en-US" sz="1600" b="0" i="0">
-                <a:solidFill>
-                  <a:srgbClr val="191D17"/>
-                </a:solidFill>
-                <a:latin typeface="monospace"/>
-                <a:ea typeface="monospace"/>
-              </a:rPr>
-              <a:t>VGG-!9</a:t>
-            </a:r>
-            <a:endParaRPr lang="en-IN" altLang="en-US" sz="1600" b="0" i="0">
-              <a:solidFill>
-                <a:srgbClr val="191D17"/>
-              </a:solidFill>
-              <a:latin typeface="monospace"/>
-              <a:ea typeface="monospace"/>
-            </a:endParaRPr>
-          </a:p>
-          <a:p>
-            <a:pPr marL="285750" indent="-285750" algn="l">
-              <a:buFont typeface="Arial" panose="020B0604020202020204" pitchFamily="34" charset="0"/>
-              <a:buChar char="•"/>
-            </a:pPr>
-            <a:r>
-              <a:rPr lang="en-IN" altLang="en-US" sz="1600" b="0" i="0">
-                <a:solidFill>
-                  <a:srgbClr val="191D17"/>
-                </a:solidFill>
-                <a:latin typeface="monospace"/>
-                <a:ea typeface="monospace"/>
-              </a:rPr>
-              <a:t>Inception net</a:t>
-            </a:r>
-            <a:endParaRPr lang="en-IN" altLang="en-US" sz="1600" b="0" i="0">
-              <a:solidFill>
-                <a:srgbClr val="191D17"/>
-              </a:solidFill>
-              <a:latin typeface="monospace"/>
-              <a:ea typeface="monospace"/>
-            </a:endParaRPr>
-          </a:p>
-          <a:p>
-            <a:pPr marL="285750" indent="-285750" algn="l">
-              <a:buFont typeface="Arial" panose="020B0604020202020204" pitchFamily="34" charset="0"/>
-              <a:buChar char="•"/>
-            </a:pPr>
-            <a:r>
-              <a:rPr lang="en-IN" altLang="en-US" sz="1600" b="0" i="0">
-                <a:solidFill>
-                  <a:srgbClr val="191D17"/>
-                </a:solidFill>
-                <a:latin typeface="monospace"/>
-                <a:ea typeface="monospace"/>
-              </a:rPr>
-              <a:t>Resnet</a:t>
-            </a:r>
-            <a:endParaRPr lang="en-IN" altLang="en-US" sz="1600" b="0" i="0">
-              <a:solidFill>
-                <a:srgbClr val="191D17"/>
-              </a:solidFill>
-              <a:latin typeface="monospace"/>
-              <a:ea typeface="monospace"/>
             </a:endParaRPr>
           </a:p>
         </p:txBody>
@@ -4320,7 +4136,7 @@
         <p:spPr>
           <a:xfrm>
             <a:off x="450850" y="449898"/>
-            <a:ext cx="5080000" cy="1524635"/>
+            <a:ext cx="5080000" cy="1632585"/>
           </a:xfrm>
           <a:prstGeom prst="rect">
             <a:avLst/>
@@ -4340,21 +4156,37 @@
               </a:spcAft>
             </a:pPr>
             <a:r>
-              <a:rPr sz="2500" b="0" i="0">
+              <a:rPr sz="3200" b="1" i="0">
                 <a:solidFill>
-                  <a:srgbClr val="333333"/>
+                  <a:srgbClr val="FF0000"/>
                 </a:solidFill>
-                <a:latin typeface="Tomorrow"/>
+                <a:effectLst>
+                  <a:outerShdw blurRad="38100" dist="38100" dir="2700000" algn="tl">
+                    <a:srgbClr val="000000">
+                      <a:alpha val="43137"/>
+                    </a:srgbClr>
+                  </a:outerShdw>
+                </a:effectLst>
+                <a:latin typeface="Arial" panose="020B0604020202020204" pitchFamily="34" charset="0"/>
                 <a:ea typeface="Tomorrow"/>
+                <a:cs typeface="Arial" panose="020B0604020202020204" pitchFamily="34" charset="0"/>
               </a:rPr>
               <a:t>Object Detection  </a:t>
             </a:r>
-            <a:endParaRPr sz="2500" b="0" i="0">
+            <a:endParaRPr sz="3200" b="1" i="0">
               <a:solidFill>
-                <a:srgbClr val="333333"/>
+                <a:srgbClr val="FF0000"/>
               </a:solidFill>
-              <a:latin typeface="Tomorrow"/>
+              <a:effectLst>
+                <a:outerShdw blurRad="38100" dist="38100" dir="2700000" algn="tl">
+                  <a:srgbClr val="000000">
+                    <a:alpha val="43137"/>
+                  </a:srgbClr>
+                </a:outerShdw>
+              </a:effectLst>
+              <a:latin typeface="Arial" panose="020B0604020202020204" pitchFamily="34" charset="0"/>
               <a:ea typeface="Tomorrow"/>
+              <a:cs typeface="Arial" panose="020B0604020202020204" pitchFamily="34" charset="0"/>
             </a:endParaRPr>
           </a:p>
           <a:p>
@@ -4369,21 +4201,23 @@
               <a:buChar char="•"/>
             </a:pPr>
             <a:r>
-              <a:rPr sz="1600" b="0" i="0">
+              <a:rPr sz="1600" b="1" i="0">
                 <a:solidFill>
                   <a:srgbClr val="333333"/>
                 </a:solidFill>
-                <a:latin typeface="Tomorrow"/>
+                <a:latin typeface="Arial" panose="020B0604020202020204" pitchFamily="34" charset="0"/>
                 <a:ea typeface="Tomorrow"/>
+                <a:cs typeface="Arial" panose="020B0604020202020204" pitchFamily="34" charset="0"/>
               </a:rPr>
               <a:t>What is Object Detection</a:t>
             </a:r>
-            <a:endParaRPr sz="1600" b="0" i="0">
+            <a:endParaRPr sz="1600" b="1" i="0">
               <a:solidFill>
                 <a:srgbClr val="333333"/>
               </a:solidFill>
-              <a:latin typeface="Tomorrow"/>
+              <a:latin typeface="Arial" panose="020B0604020202020204" pitchFamily="34" charset="0"/>
               <a:ea typeface="Tomorrow"/>
+              <a:cs typeface="Arial" panose="020B0604020202020204" pitchFamily="34" charset="0"/>
             </a:endParaRPr>
           </a:p>
           <a:p>
@@ -4398,21 +4232,23 @@
               <a:buChar char="•"/>
             </a:pPr>
             <a:r>
-              <a:rPr sz="1600" b="0" i="0">
+              <a:rPr sz="1600" b="1" i="0">
                 <a:solidFill>
                   <a:srgbClr val="333333"/>
                 </a:solidFill>
-                <a:latin typeface="Tomorrow"/>
+                <a:latin typeface="Arial" panose="020B0604020202020204" pitchFamily="34" charset="0"/>
                 <a:ea typeface="Tomorrow"/>
+                <a:cs typeface="Arial" panose="020B0604020202020204" pitchFamily="34" charset="0"/>
               </a:rPr>
               <a:t>Object Detection using Haar Cascade</a:t>
             </a:r>
-            <a:endParaRPr sz="1600" b="0" i="0">
+            <a:endParaRPr sz="1600" b="1" i="0">
               <a:solidFill>
                 <a:srgbClr val="333333"/>
               </a:solidFill>
-              <a:latin typeface="Tomorrow"/>
+              <a:latin typeface="Arial" panose="020B0604020202020204" pitchFamily="34" charset="0"/>
               <a:ea typeface="Tomorrow"/>
+              <a:cs typeface="Arial" panose="020B0604020202020204" pitchFamily="34" charset="0"/>
             </a:endParaRPr>
           </a:p>
           <a:p>
@@ -4427,21 +4263,23 @@
               <a:buChar char="•"/>
             </a:pPr>
             <a:r>
-              <a:rPr sz="1600" b="0" i="0">
+              <a:rPr sz="1600" b="1" i="0">
                 <a:solidFill>
                   <a:srgbClr val="333333"/>
                 </a:solidFill>
-                <a:latin typeface="Tomorrow"/>
+                <a:latin typeface="Arial" panose="020B0604020202020204" pitchFamily="34" charset="0"/>
                 <a:ea typeface="Tomorrow"/>
+                <a:cs typeface="Arial" panose="020B0604020202020204" pitchFamily="34" charset="0"/>
               </a:rPr>
               <a:t>MobileNet SSD</a:t>
             </a:r>
-            <a:endParaRPr sz="1600" b="0" i="0">
+            <a:endParaRPr sz="1600" b="1" i="0">
               <a:solidFill>
                 <a:srgbClr val="333333"/>
               </a:solidFill>
-              <a:latin typeface="Tomorrow"/>
+              <a:latin typeface="Arial" panose="020B0604020202020204" pitchFamily="34" charset="0"/>
               <a:ea typeface="Tomorrow"/>
+              <a:cs typeface="Arial" panose="020B0604020202020204" pitchFamily="34" charset="0"/>
             </a:endParaRPr>
           </a:p>
           <a:p>
@@ -4456,21 +4294,234 @@
               <a:buChar char="•"/>
             </a:pPr>
             <a:r>
-              <a:rPr sz="1600" b="0" i="0">
+              <a:rPr sz="1600" b="1" i="0">
                 <a:solidFill>
                   <a:srgbClr val="333333"/>
                 </a:solidFill>
-                <a:latin typeface="Tomorrow"/>
+                <a:latin typeface="Arial" panose="020B0604020202020204" pitchFamily="34" charset="0"/>
                 <a:ea typeface="Tomorrow"/>
+                <a:cs typeface="Arial" panose="020B0604020202020204" pitchFamily="34" charset="0"/>
               </a:rPr>
               <a:t>RCNN and YOLO</a:t>
             </a:r>
-            <a:endParaRPr sz="1600" b="0" i="0">
+            <a:endParaRPr sz="1600" b="1" i="0">
               <a:solidFill>
                 <a:srgbClr val="333333"/>
               </a:solidFill>
-              <a:latin typeface="Tomorrow"/>
+              <a:latin typeface="Arial" panose="020B0604020202020204" pitchFamily="34" charset="0"/>
               <a:ea typeface="Tomorrow"/>
+              <a:cs typeface="Arial" panose="020B0604020202020204" pitchFamily="34" charset="0"/>
+            </a:endParaRPr>
+          </a:p>
+        </p:txBody>
+      </p:sp>
+      <p:sp>
+        <p:nvSpPr>
+          <p:cNvPr id="4" name="Text Box 3"/>
+          <p:cNvSpPr txBox="1"/>
+          <p:nvPr/>
+        </p:nvSpPr>
+        <p:spPr>
+          <a:xfrm>
+            <a:off x="5824855" y="547687"/>
+            <a:ext cx="5080000" cy="5789295"/>
+          </a:xfrm>
+          <a:prstGeom prst="rect">
+            <a:avLst/>
+          </a:prstGeom>
+        </p:spPr>
+        <p:txBody>
+          <a:bodyPr>
+            <a:spAutoFit/>
+          </a:bodyPr>
+          <a:p>
+            <a:pPr>
+              <a:spcAft>
+                <a:spcPct val="60000"/>
+              </a:spcAft>
+            </a:pPr>
+            <a:r>
+              <a:rPr sz="2200" b="1"/>
+              <a:t>📚 What is Object Detection?</a:t>
+            </a:r>
+            <a:endParaRPr sz="2200" b="1"/>
+          </a:p>
+          <a:p>
+            <a:r>
+              <a:rPr sz="1600"/>
+              <a:t>Object Detection is a computer vision technique that involves identifying and locating objects within an image or video. The goal is not only to recognize the objects (like in image classification) but also to determine the positions (bounding boxes) where these objects are found in the image.</a:t>
+            </a:r>
+            <a:endParaRPr sz="1600"/>
+          </a:p>
+          <a:p>
+            <a:pPr>
+              <a:spcAft>
+                <a:spcPct val="60000"/>
+              </a:spcAft>
+            </a:pPr>
+            <a:r>
+              <a:rPr sz="2200" b="1"/>
+              <a:t>Key Tasks in Object Detection:</a:t>
+            </a:r>
+            <a:endParaRPr sz="2200" b="1"/>
+          </a:p>
+          <a:p>
+            <a:pPr>
+              <a:buAutoNum type="arabicPeriod"/>
+            </a:pPr>
+            <a:r>
+              <a:rPr sz="1600"/>
+              <a:t>Classification: Recognize what objects are in the image.</a:t>
+            </a:r>
+            <a:endParaRPr sz="1600"/>
+          </a:p>
+          <a:p>
+            <a:pPr>
+              <a:buAutoNum type="arabicPeriod"/>
+            </a:pPr>
+            <a:r>
+              <a:rPr sz="1600"/>
+              <a:t>Localization: Find where the objects are in the image using bounding boxes.</a:t>
+            </a:r>
+            <a:endParaRPr sz="1600"/>
+          </a:p>
+          <a:p>
+            <a:pPr>
+              <a:buAutoNum type="arabicPeriod"/>
+            </a:pPr>
+            <a:r>
+              <a:rPr sz="1600"/>
+              <a:t>Tracking (in video): Keep track of the objects as they move across frames.</a:t>
+            </a:r>
+            <a:endParaRPr sz="1600"/>
+          </a:p>
+          <a:p>
+            <a:pPr>
+              <a:spcAft>
+                <a:spcPct val="60000"/>
+              </a:spcAft>
+            </a:pPr>
+            <a:r>
+              <a:rPr sz="2200" b="1"/>
+              <a:t>Use Cases:</a:t>
+            </a:r>
+            <a:endParaRPr sz="2200" b="1"/>
+          </a:p>
+          <a:p>
+            <a:pPr>
+              <a:buFont typeface="Arial" panose="020B0604020202020204"/>
+              <a:buChar char="•"/>
+            </a:pPr>
+            <a:r>
+              <a:rPr sz="1600"/>
+              <a:t>Self-driving cars: Detecting pedestrians, cars, traffic signs.</a:t>
+            </a:r>
+            <a:endParaRPr sz="1600"/>
+          </a:p>
+          <a:p>
+            <a:pPr>
+              <a:buFont typeface="Arial" panose="020B0604020202020204"/>
+              <a:buChar char="•"/>
+            </a:pPr>
+            <a:r>
+              <a:rPr sz="1600"/>
+              <a:t>Face detection in photos.</a:t>
+            </a:r>
+            <a:endParaRPr sz="1600"/>
+          </a:p>
+          <a:p>
+            <a:pPr>
+              <a:buFont typeface="Arial" panose="020B0604020202020204"/>
+              <a:buChar char="•"/>
+            </a:pPr>
+            <a:r>
+              <a:rPr sz="1600"/>
+              <a:t>Surveillance cameras.</a:t>
+            </a:r>
+            <a:endParaRPr sz="1600"/>
+          </a:p>
+          <a:p>
+            <a:pPr>
+              <a:buFont typeface="Arial" panose="020B0604020202020204"/>
+              <a:buChar char="•"/>
+            </a:pPr>
+            <a:r>
+              <a:rPr sz="1600"/>
+              <a:t>Image analysis in medical fields.</a:t>
+            </a:r>
+            <a:endParaRPr sz="1600"/>
+          </a:p>
+          <a:p>
+            <a:pPr>
+              <a:buFont typeface="Arial" panose="020B0604020202020204"/>
+              <a:buChar char="•"/>
+            </a:pPr>
+            <a:r>
+              <a:rPr sz="1600"/>
+              <a:t>Retail: Automated checkout systems.</a:t>
+            </a:r>
+            <a:endParaRPr sz="1600"/>
+          </a:p>
+        </p:txBody>
+      </p:sp>
+    </p:spTree>
+  </p:cSld>
+  <p:clrMapOvr>
+    <a:masterClrMapping/>
+  </p:clrMapOvr>
+</p:sld>
+</file>
+
+<file path=ppt/slides/slide12.xml><?xml version="1.0" encoding="utf-8"?>
+<p:sld xmlns:a="http://schemas.openxmlformats.org/drawingml/2006/main" xmlns:r="http://schemas.openxmlformats.org/officeDocument/2006/relationships" xmlns:p="http://schemas.openxmlformats.org/presentationml/2006/main">
+  <p:cSld>
+    <p:spTree>
+      <p:nvGrpSpPr>
+        <p:cNvPr id="1" name=""/>
+        <p:cNvGrpSpPr/>
+        <p:nvPr/>
+      </p:nvGrpSpPr>
+      <p:grpSpPr/>
+      <p:sp>
+        <p:nvSpPr>
+          <p:cNvPr id="2" name="Text Box 1"/>
+          <p:cNvSpPr txBox="1"/>
+          <p:nvPr/>
+        </p:nvSpPr>
+        <p:spPr>
+          <a:xfrm>
+            <a:off x="409575" y="145415"/>
+            <a:ext cx="8037830" cy="460375"/>
+          </a:xfrm>
+          <a:prstGeom prst="rect">
+            <a:avLst/>
+          </a:prstGeom>
+        </p:spPr>
+        <p:txBody>
+          <a:bodyPr wrap="square">
+            <a:spAutoFit/>
+          </a:bodyPr>
+          <a:p>
+            <a:r>
+              <a:rPr sz="2400" b="1">
+                <a:effectLst>
+                  <a:outerShdw blurRad="38100" dist="38100" dir="2700000" algn="tl">
+                    <a:srgbClr val="000000">
+                      <a:alpha val="43137"/>
+                    </a:srgbClr>
+                  </a:outerShdw>
+                </a:effectLst>
+              </a:rPr>
+              <a:t>🏞️ Object Detection using Haar Cascade</a:t>
+            </a:r>
+            <a:endParaRPr sz="2400" b="1">
+              <a:effectLst>
+                <a:outerShdw blurRad="38100" dist="38100" dir="2700000" algn="tl">
+                  <a:srgbClr val="000000">
+                    <a:alpha val="43137"/>
+                  </a:srgbClr>
+                </a:outerShdw>
+              </a:effectLst>
             </a:endParaRPr>
           </a:p>
         </p:txBody>
@@ -4483,8 +4534,1451 @@
         </p:nvSpPr>
         <p:spPr>
           <a:xfrm>
-            <a:off x="1016000" y="4705668"/>
-            <a:ext cx="5080000" cy="1524635"/>
+            <a:off x="314325" y="605790"/>
+            <a:ext cx="6388100" cy="6289040"/>
+          </a:xfrm>
+          <a:prstGeom prst="rect">
+            <a:avLst/>
+          </a:prstGeom>
+        </p:spPr>
+        <p:txBody>
+          <a:bodyPr wrap="square">
+            <a:spAutoFit/>
+          </a:bodyPr>
+          <a:p>
+            <a:r>
+              <a:rPr sz="1600"/>
+              <a:t>Haar Cascades are a machine learning object detection method used to identify objects in images or video. Haar Cascade Classifiers were popularized by the OpenCV library and are often used for tasks like face detection.</a:t>
+            </a:r>
+            <a:endParaRPr sz="1600"/>
+          </a:p>
+          <a:p>
+            <a:pPr>
+              <a:spcAft>
+                <a:spcPct val="60000"/>
+              </a:spcAft>
+            </a:pPr>
+            <a:r>
+              <a:rPr sz="1900" b="1"/>
+              <a:t>How Haar Cascade works:</a:t>
+            </a:r>
+            <a:endParaRPr sz="1900" b="1"/>
+          </a:p>
+          <a:p>
+            <a:pPr>
+              <a:buAutoNum type="arabicPeriod"/>
+            </a:pPr>
+            <a:r>
+              <a:rPr sz="1600"/>
+              <a:t>Haar Features: A set of features (based on rectangles) used to represent parts of an image. These features capture information like edges, lines, and regions of interest.</a:t>
+            </a:r>
+            <a:endParaRPr sz="1600"/>
+          </a:p>
+          <a:p>
+            <a:pPr>
+              <a:buAutoNum type="arabicPeriod"/>
+            </a:pPr>
+            <a:endParaRPr sz="1600"/>
+          </a:p>
+          <a:p>
+            <a:pPr>
+              <a:buAutoNum type="arabicPeriod"/>
+            </a:pPr>
+            <a:r>
+              <a:rPr sz="1600"/>
+              <a:t>Cascade Classifier: A sequence of increasingly complex classifiers used to detect an object at different stages. It is called a "cascade" because each classifier in the series focuses on progressively more difficult parts of the object.</a:t>
+            </a:r>
+            <a:endParaRPr sz="1600"/>
+          </a:p>
+          <a:p>
+            <a:pPr>
+              <a:buAutoNum type="arabicPeriod"/>
+            </a:pPr>
+            <a:endParaRPr sz="1600"/>
+          </a:p>
+          <a:p>
+            <a:pPr>
+              <a:buAutoNum type="arabicPeriod"/>
+            </a:pPr>
+            <a:r>
+              <a:rPr sz="1600"/>
+              <a:t>Training: Haar Cascade classifiers are trained on a large number of positive and negative samples.</a:t>
+            </a:r>
+            <a:endParaRPr sz="1600"/>
+          </a:p>
+          <a:p>
+            <a:pPr>
+              <a:spcAft>
+                <a:spcPct val="60000"/>
+              </a:spcAft>
+            </a:pPr>
+            <a:r>
+              <a:rPr sz="1900" b="1"/>
+              <a:t>Advantages:</a:t>
+            </a:r>
+            <a:endParaRPr sz="1900" b="1"/>
+          </a:p>
+          <a:p>
+            <a:pPr>
+              <a:buFont typeface="Arial" panose="020B0604020202020204"/>
+              <a:buChar char="•"/>
+            </a:pPr>
+            <a:r>
+              <a:rPr sz="1600"/>
+              <a:t>Simple to implement.</a:t>
+            </a:r>
+            <a:endParaRPr sz="1600"/>
+          </a:p>
+          <a:p>
+            <a:pPr>
+              <a:buFont typeface="Arial" panose="020B0604020202020204"/>
+              <a:buChar char="•"/>
+            </a:pPr>
+            <a:r>
+              <a:rPr sz="1600"/>
+              <a:t>Fast processing for tasks like face detection.</a:t>
+            </a:r>
+            <a:endParaRPr sz="1600"/>
+          </a:p>
+          <a:p>
+            <a:pPr>
+              <a:spcAft>
+                <a:spcPct val="60000"/>
+              </a:spcAft>
+            </a:pPr>
+            <a:r>
+              <a:rPr sz="1900" b="1"/>
+              <a:t>Limitations:</a:t>
+            </a:r>
+            <a:endParaRPr sz="1900" b="1"/>
+          </a:p>
+          <a:p>
+            <a:pPr>
+              <a:buFont typeface="Arial" panose="020B0604020202020204"/>
+              <a:buChar char="•"/>
+            </a:pPr>
+            <a:r>
+              <a:rPr sz="1600"/>
+              <a:t>Limited to simpler tasks and low-quality images.</a:t>
+            </a:r>
+            <a:endParaRPr sz="1600"/>
+          </a:p>
+          <a:p>
+            <a:pPr>
+              <a:buFont typeface="Arial" panose="020B0604020202020204"/>
+              <a:buChar char="•"/>
+            </a:pPr>
+            <a:r>
+              <a:rPr sz="1600"/>
+              <a:t>Struggles with complex or varied objects.</a:t>
+            </a:r>
+            <a:endParaRPr sz="1600"/>
+          </a:p>
+        </p:txBody>
+      </p:sp>
+      <p:sp>
+        <p:nvSpPr>
+          <p:cNvPr id="4" name="Text Box 3"/>
+          <p:cNvSpPr txBox="1"/>
+          <p:nvPr/>
+        </p:nvSpPr>
+        <p:spPr>
+          <a:xfrm>
+            <a:off x="6587490" y="335915"/>
+            <a:ext cx="5604510" cy="6739255"/>
+          </a:xfrm>
+          <a:prstGeom prst="rect">
+            <a:avLst/>
+          </a:prstGeom>
+          <a:noFill/>
+        </p:spPr>
+        <p:txBody>
+          <a:bodyPr wrap="square" rtlCol="0" anchor="t">
+            <a:spAutoFit/>
+          </a:bodyPr>
+          <a:p>
+            <a:r>
+              <a:rPr lang="en-US" altLang="en-US"/>
+              <a:t>import cv2</a:t>
+            </a:r>
+            <a:endParaRPr lang="en-US" altLang="en-US"/>
+          </a:p>
+          <a:p>
+            <a:endParaRPr lang="en-US" altLang="en-US"/>
+          </a:p>
+          <a:p>
+            <a:r>
+              <a:rPr lang="en-US" altLang="en-US"/>
+              <a:t># Load pre-trained Haar Cascade classifier for face detection</a:t>
+            </a:r>
+            <a:endParaRPr lang="en-US" altLang="en-US"/>
+          </a:p>
+          <a:p>
+            <a:r>
+              <a:rPr lang="en-US" altLang="en-US"/>
+              <a:t>face_cascade = cv2.CascadeClassifier(cv2.data.haarcascades + 'haarcascade_frontalface_default.xml')</a:t>
+            </a:r>
+            <a:endParaRPr lang="en-US" altLang="en-US"/>
+          </a:p>
+          <a:p>
+            <a:endParaRPr lang="en-US" altLang="en-US"/>
+          </a:p>
+          <a:p>
+            <a:r>
+              <a:rPr lang="en-US" altLang="en-US"/>
+              <a:t># Read image</a:t>
+            </a:r>
+            <a:endParaRPr lang="en-US" altLang="en-US"/>
+          </a:p>
+          <a:p>
+            <a:r>
+              <a:rPr lang="en-US" altLang="en-US"/>
+              <a:t>image = cv2.imread('image.jpg')</a:t>
+            </a:r>
+            <a:endParaRPr lang="en-US" altLang="en-US"/>
+          </a:p>
+          <a:p>
+            <a:r>
+              <a:rPr lang="en-US" altLang="en-US"/>
+              <a:t>gray = cv2.cvtColor(image, cv2.COLOR_BGR2GRAY)</a:t>
+            </a:r>
+            <a:endParaRPr lang="en-US" altLang="en-US"/>
+          </a:p>
+          <a:p>
+            <a:endParaRPr lang="en-US" altLang="en-US"/>
+          </a:p>
+          <a:p>
+            <a:r>
+              <a:rPr lang="en-US" altLang="en-US"/>
+              <a:t># Detect faces</a:t>
+            </a:r>
+            <a:endParaRPr lang="en-US" altLang="en-US"/>
+          </a:p>
+          <a:p>
+            <a:r>
+              <a:rPr lang="en-US" altLang="en-US"/>
+              <a:t>faces = face_cascade.detectMultiScale(gray, 1.3, 5)</a:t>
+            </a:r>
+            <a:endParaRPr lang="en-US" altLang="en-US"/>
+          </a:p>
+          <a:p>
+            <a:endParaRPr lang="en-US" altLang="en-US"/>
+          </a:p>
+          <a:p>
+            <a:r>
+              <a:rPr lang="en-US" altLang="en-US"/>
+              <a:t># Draw rectangle around the faces</a:t>
+            </a:r>
+            <a:endParaRPr lang="en-US" altLang="en-US"/>
+          </a:p>
+          <a:p>
+            <a:r>
+              <a:rPr lang="en-US" altLang="en-US"/>
+              <a:t>for (x, y, w, h) in faces:</a:t>
+            </a:r>
+            <a:endParaRPr lang="en-US" altLang="en-US"/>
+          </a:p>
+          <a:p>
+            <a:r>
+              <a:rPr lang="en-US" altLang="en-US"/>
+              <a:t>    cv2.rectangle(image, (x, y), (x+w, y+h), (255, 0, 0), 2)</a:t>
+            </a:r>
+            <a:endParaRPr lang="en-US" altLang="en-US"/>
+          </a:p>
+          <a:p>
+            <a:endParaRPr lang="en-US" altLang="en-US"/>
+          </a:p>
+          <a:p>
+            <a:r>
+              <a:rPr lang="en-US" altLang="en-US"/>
+              <a:t># Display result</a:t>
+            </a:r>
+            <a:endParaRPr lang="en-US" altLang="en-US"/>
+          </a:p>
+          <a:p>
+            <a:r>
+              <a:rPr lang="en-US" altLang="en-US"/>
+              <a:t>cv2.imshow('Image', image)</a:t>
+            </a:r>
+            <a:endParaRPr lang="en-US" altLang="en-US"/>
+          </a:p>
+          <a:p>
+            <a:r>
+              <a:rPr lang="en-US" altLang="en-US"/>
+              <a:t>cv2.waitKey(0)</a:t>
+            </a:r>
+            <a:endParaRPr lang="en-US" altLang="en-US"/>
+          </a:p>
+          <a:p>
+            <a:r>
+              <a:rPr lang="en-US" altLang="en-US"/>
+              <a:t>cv2.destroyAllWindows()</a:t>
+            </a:r>
+            <a:endParaRPr lang="en-US" altLang="en-US"/>
+          </a:p>
+          <a:p>
+            <a:endParaRPr lang="en-US"/>
+          </a:p>
+        </p:txBody>
+      </p:sp>
+    </p:spTree>
+  </p:cSld>
+  <p:clrMapOvr>
+    <a:masterClrMapping/>
+  </p:clrMapOvr>
+</p:sld>
+</file>
+
+<file path=ppt/slides/slide13.xml><?xml version="1.0" encoding="utf-8"?>
+<p:sld xmlns:a="http://schemas.openxmlformats.org/drawingml/2006/main" xmlns:r="http://schemas.openxmlformats.org/officeDocument/2006/relationships" xmlns:p="http://schemas.openxmlformats.org/presentationml/2006/main">
+  <p:cSld>
+    <p:spTree>
+      <p:nvGrpSpPr>
+        <p:cNvPr id="1" name=""/>
+        <p:cNvGrpSpPr/>
+        <p:nvPr/>
+      </p:nvGrpSpPr>
+      <p:grpSpPr/>
+      <p:sp>
+        <p:nvSpPr>
+          <p:cNvPr id="2" name="Text Box 1"/>
+          <p:cNvSpPr txBox="1"/>
+          <p:nvPr/>
+        </p:nvSpPr>
+        <p:spPr>
+          <a:xfrm>
+            <a:off x="-3810" y="429895"/>
+            <a:ext cx="5791200" cy="5585460"/>
+          </a:xfrm>
+          <a:prstGeom prst="rect">
+            <a:avLst/>
+          </a:prstGeom>
+        </p:spPr>
+        <p:txBody>
+          <a:bodyPr wrap="square">
+            <a:noAutofit/>
+          </a:bodyPr>
+          <a:p>
+            <a:r>
+              <a:rPr sz="1600"/>
+              <a:t>MobileNet SSD is a popular lightweight deep learning model used for real-time object detection on mobile devices and embedded systems. It's built using a combination of MobileNet (a lightweight architecture) and the SSD framework (a fast detection framework).</a:t>
+            </a:r>
+            <a:endParaRPr sz="1600"/>
+          </a:p>
+          <a:p>
+            <a:pPr>
+              <a:spcAft>
+                <a:spcPct val="60000"/>
+              </a:spcAft>
+            </a:pPr>
+            <a:r>
+              <a:rPr sz="1900" b="1"/>
+              <a:t>How it works:</a:t>
+            </a:r>
+            <a:endParaRPr sz="1900" b="1"/>
+          </a:p>
+          <a:p>
+            <a:pPr>
+              <a:buFont typeface="Arial" panose="020B0604020202020204"/>
+              <a:buChar char="•"/>
+            </a:pPr>
+            <a:r>
+              <a:rPr sz="1600"/>
+              <a:t>MobileNet: Efficient convolutional neural network (CNN) designed for mobile and embedded applications, with fewer parameters than traditional models.</a:t>
+            </a:r>
+            <a:endParaRPr sz="1600"/>
+          </a:p>
+          <a:p>
+            <a:pPr>
+              <a:buFont typeface="Arial" panose="020B0604020202020204"/>
+              <a:buChar char="•"/>
+            </a:pPr>
+            <a:endParaRPr sz="1600"/>
+          </a:p>
+          <a:p>
+            <a:pPr>
+              <a:buFont typeface="Arial" panose="020B0604020202020204"/>
+              <a:buChar char="•"/>
+            </a:pPr>
+            <a:r>
+              <a:rPr sz="1600"/>
+              <a:t>SSD: A framework for object detection that divides the image into a grid and performs detection on multiple scales simultaneously.</a:t>
+            </a:r>
+            <a:endParaRPr sz="1600"/>
+          </a:p>
+          <a:p>
+            <a:pPr>
+              <a:spcAft>
+                <a:spcPct val="60000"/>
+              </a:spcAft>
+            </a:pPr>
+            <a:r>
+              <a:rPr sz="1900" b="1"/>
+              <a:t>Advantages:</a:t>
+            </a:r>
+            <a:endParaRPr sz="1900" b="1"/>
+          </a:p>
+          <a:p>
+            <a:pPr>
+              <a:buFont typeface="Arial" panose="020B0604020202020204"/>
+              <a:buChar char="•"/>
+            </a:pPr>
+            <a:r>
+              <a:rPr sz="1600"/>
+              <a:t>Real-time detection.</a:t>
+            </a:r>
+            <a:endParaRPr sz="1600"/>
+          </a:p>
+          <a:p>
+            <a:pPr>
+              <a:buFont typeface="Arial" panose="020B0604020202020204"/>
+              <a:buChar char="•"/>
+            </a:pPr>
+            <a:r>
+              <a:rPr sz="1600"/>
+              <a:t>Lightweight and efficient for mobile devices.</a:t>
+            </a:r>
+            <a:endParaRPr sz="1600"/>
+          </a:p>
+          <a:p>
+            <a:pPr>
+              <a:buFont typeface="Arial" panose="020B0604020202020204"/>
+              <a:buChar char="•"/>
+            </a:pPr>
+            <a:r>
+              <a:rPr sz="1600"/>
+              <a:t>Can detect multiple objects in an image.</a:t>
+            </a:r>
+            <a:endParaRPr sz="1600"/>
+          </a:p>
+          <a:p>
+            <a:pPr>
+              <a:spcAft>
+                <a:spcPct val="60000"/>
+              </a:spcAft>
+            </a:pPr>
+            <a:r>
+              <a:rPr sz="1900" b="1"/>
+              <a:t>Limitations:</a:t>
+            </a:r>
+            <a:endParaRPr sz="1900" b="1"/>
+          </a:p>
+          <a:p>
+            <a:pPr>
+              <a:buFont typeface="Arial" panose="020B0604020202020204"/>
+              <a:buChar char="•"/>
+            </a:pPr>
+            <a:r>
+              <a:rPr sz="1600"/>
+              <a:t>Might not be as accurate as larger models like Faster R-CNN.</a:t>
+            </a:r>
+            <a:endParaRPr sz="1600"/>
+          </a:p>
+          <a:p>
+            <a:pPr>
+              <a:buFont typeface="Arial" panose="020B0604020202020204"/>
+              <a:buChar char="•"/>
+            </a:pPr>
+            <a:r>
+              <a:rPr sz="1600"/>
+              <a:t>Performance drops with higher resolution images.</a:t>
+            </a:r>
+            <a:endParaRPr sz="1600"/>
+          </a:p>
+        </p:txBody>
+      </p:sp>
+      <p:sp>
+        <p:nvSpPr>
+          <p:cNvPr id="3" name="Text Box 2"/>
+          <p:cNvSpPr txBox="1"/>
+          <p:nvPr/>
+        </p:nvSpPr>
+        <p:spPr>
+          <a:xfrm>
+            <a:off x="5788025" y="0"/>
+            <a:ext cx="6403340" cy="7016115"/>
+          </a:xfrm>
+          <a:prstGeom prst="rect">
+            <a:avLst/>
+          </a:prstGeom>
+          <a:noFill/>
+        </p:spPr>
+        <p:txBody>
+          <a:bodyPr wrap="square" rtlCol="0" anchor="t">
+            <a:spAutoFit/>
+          </a:bodyPr>
+          <a:p>
+            <a:r>
+              <a:rPr lang="en-US" altLang="en-US"/>
+              <a:t>import cv2</a:t>
+            </a:r>
+            <a:endParaRPr lang="en-US" altLang="en-US"/>
+          </a:p>
+          <a:p>
+            <a:r>
+              <a:rPr lang="en-US" altLang="en-US"/>
+              <a:t># Load MobileNet SSD pre-trained model</a:t>
+            </a:r>
+            <a:endParaRPr lang="en-US" altLang="en-US"/>
+          </a:p>
+          <a:p>
+            <a:r>
+              <a:rPr lang="en-US" altLang="en-US"/>
+              <a:t>net = cv2.dnn.readNetFromCaffe('deploy.prototxt', 'mobilenet_iter_73000.caffemodel')</a:t>
+            </a:r>
+            <a:endParaRPr lang="en-US" altLang="en-US"/>
+          </a:p>
+          <a:p>
+            <a:r>
+              <a:rPr lang="en-US" altLang="en-US" b="1"/>
+              <a:t># Load image</a:t>
+            </a:r>
+            <a:endParaRPr lang="en-US" altLang="en-US" b="1"/>
+          </a:p>
+          <a:p>
+            <a:r>
+              <a:rPr lang="en-US" altLang="en-US"/>
+              <a:t>image = cv2.imread('image.jpg')</a:t>
+            </a:r>
+            <a:endParaRPr lang="en-US" altLang="en-US"/>
+          </a:p>
+          <a:p>
+            <a:r>
+              <a:rPr lang="en-US" altLang="en-US"/>
+              <a:t>(h, w) = image.shape[:2]</a:t>
+            </a:r>
+            <a:endParaRPr lang="en-US" altLang="en-US"/>
+          </a:p>
+          <a:p>
+            <a:r>
+              <a:rPr lang="en-US" altLang="en-US" b="1"/>
+              <a:t># Prepare image for MobileNet SSD</a:t>
+            </a:r>
+            <a:endParaRPr lang="en-US" altLang="en-US" b="1"/>
+          </a:p>
+          <a:p>
+            <a:r>
+              <a:rPr lang="en-US" altLang="en-US"/>
+              <a:t>blob = cv2.dnn.blobFromImage(image, 0.007843, (300, 300), 127.5, 127.5, 127.5, 0)</a:t>
+            </a:r>
+            <a:endParaRPr lang="en-US" altLang="en-US"/>
+          </a:p>
+          <a:p>
+            <a:r>
+              <a:rPr lang="en-US" altLang="en-US" b="1"/>
+              <a:t># Perform detection</a:t>
+            </a:r>
+            <a:endParaRPr lang="en-US" altLang="en-US" b="1"/>
+          </a:p>
+          <a:p>
+            <a:r>
+              <a:rPr lang="en-US" altLang="en-US"/>
+              <a:t>net.setInput(blob)</a:t>
+            </a:r>
+            <a:endParaRPr lang="en-US" altLang="en-US"/>
+          </a:p>
+          <a:p>
+            <a:r>
+              <a:rPr lang="en-US" altLang="en-US"/>
+              <a:t>detections = net.forward()</a:t>
+            </a:r>
+            <a:endParaRPr lang="en-US" altLang="en-US"/>
+          </a:p>
+          <a:p>
+            <a:endParaRPr lang="en-US" altLang="en-US"/>
+          </a:p>
+          <a:p>
+            <a:r>
+              <a:rPr lang="en-US" altLang="en-US"/>
+              <a:t># Loop through detections and draw bounding boxes</a:t>
+            </a:r>
+            <a:endParaRPr lang="en-US" altLang="en-US"/>
+          </a:p>
+          <a:p>
+            <a:r>
+              <a:rPr lang="en-US" altLang="en-US"/>
+              <a:t>for i in range(detections.shape[2]):</a:t>
+            </a:r>
+            <a:endParaRPr lang="en-US" altLang="en-US"/>
+          </a:p>
+          <a:p>
+            <a:r>
+              <a:rPr lang="en-US" altLang="en-US"/>
+              <a:t>    confidence = detections[0, 0, i, 2]</a:t>
+            </a:r>
+            <a:endParaRPr lang="en-US" altLang="en-US"/>
+          </a:p>
+          <a:p>
+            <a:r>
+              <a:rPr lang="en-US" altLang="en-US"/>
+              <a:t>    if confidence &gt; 0.2:</a:t>
+            </a:r>
+            <a:endParaRPr lang="en-US" altLang="en-US"/>
+          </a:p>
+          <a:p>
+            <a:r>
+              <a:rPr lang="en-US" altLang="en-US"/>
+              <a:t>        box = detections[0, 0, i, 3:7] * np.array([w, h, w, h])</a:t>
+            </a:r>
+            <a:endParaRPr lang="en-US" altLang="en-US"/>
+          </a:p>
+          <a:p>
+            <a:r>
+              <a:rPr lang="en-US" altLang="en-US"/>
+              <a:t>        (startX, startY, endX, endY) = box.astype("int")</a:t>
+            </a:r>
+            <a:endParaRPr lang="en-US" altLang="en-US"/>
+          </a:p>
+          <a:p>
+            <a:r>
+              <a:rPr lang="en-US" altLang="en-US"/>
+              <a:t>        cv2.rectangle(image, (startX, startY), (endX, endY), (0, 255, 0), 2)</a:t>
+            </a:r>
+            <a:endParaRPr lang="en-US" altLang="en-US"/>
+          </a:p>
+          <a:p>
+            <a:r>
+              <a:rPr lang="en-US" altLang="en-US"/>
+              <a:t>cv2.imshow("MobileNet SSD", image)</a:t>
+            </a:r>
+            <a:endParaRPr lang="en-US" altLang="en-US"/>
+          </a:p>
+          <a:p>
+            <a:r>
+              <a:rPr lang="en-US" altLang="en-US"/>
+              <a:t>cv2.waitKey(0)</a:t>
+            </a:r>
+            <a:endParaRPr lang="en-US" altLang="en-US"/>
+          </a:p>
+          <a:p>
+            <a:r>
+              <a:rPr lang="en-US" altLang="en-US"/>
+              <a:t>cv2.destroyAllWindows()</a:t>
+            </a:r>
+            <a:endParaRPr lang="en-US"/>
+          </a:p>
+        </p:txBody>
+      </p:sp>
+      <p:sp>
+        <p:nvSpPr>
+          <p:cNvPr id="4" name="Text Box 3"/>
+          <p:cNvSpPr txBox="1"/>
+          <p:nvPr/>
+        </p:nvSpPr>
+        <p:spPr>
+          <a:xfrm>
+            <a:off x="0" y="0"/>
+            <a:ext cx="6096000" cy="429895"/>
+          </a:xfrm>
+          <a:prstGeom prst="rect">
+            <a:avLst/>
+          </a:prstGeom>
+          <a:noFill/>
+        </p:spPr>
+        <p:txBody>
+          <a:bodyPr wrap="square" rtlCol="0" anchor="t">
+            <a:spAutoFit/>
+          </a:bodyPr>
+          <a:p>
+            <a:pPr>
+              <a:spcAft>
+                <a:spcPct val="60000"/>
+              </a:spcAft>
+            </a:pPr>
+            <a:r>
+              <a:rPr sz="2200" b="1">
+                <a:solidFill>
+                  <a:schemeClr val="accent1">
+                    <a:lumMod val="50000"/>
+                  </a:schemeClr>
+                </a:solidFill>
+                <a:sym typeface="+mn-ea"/>
+              </a:rPr>
+              <a:t>📱 MobileNet SSD (Single Shot Multibox Detector)</a:t>
+            </a:r>
+            <a:endParaRPr lang="en-US" sz="2200" b="1">
+              <a:solidFill>
+                <a:schemeClr val="accent1">
+                  <a:lumMod val="50000"/>
+                </a:schemeClr>
+              </a:solidFill>
+              <a:sym typeface="+mn-ea"/>
+            </a:endParaRPr>
+          </a:p>
+        </p:txBody>
+      </p:sp>
+    </p:spTree>
+  </p:cSld>
+  <p:clrMapOvr>
+    <a:masterClrMapping/>
+  </p:clrMapOvr>
+</p:sld>
+</file>
+
+<file path=ppt/slides/slide14.xml><?xml version="1.0" encoding="utf-8"?>
+<p:sld xmlns:a="http://schemas.openxmlformats.org/drawingml/2006/main" xmlns:r="http://schemas.openxmlformats.org/officeDocument/2006/relationships" xmlns:p="http://schemas.openxmlformats.org/presentationml/2006/main">
+  <p:cSld>
+    <p:spTree>
+      <p:nvGrpSpPr>
+        <p:cNvPr id="1" name=""/>
+        <p:cNvGrpSpPr/>
+        <p:nvPr/>
+      </p:nvGrpSpPr>
+      <p:grpSpPr/>
+      <p:sp>
+        <p:nvSpPr>
+          <p:cNvPr id="2" name="Text Box 1"/>
+          <p:cNvSpPr txBox="1"/>
+          <p:nvPr/>
+        </p:nvSpPr>
+        <p:spPr>
+          <a:xfrm>
+            <a:off x="0" y="0"/>
+            <a:ext cx="5080000" cy="5890260"/>
+          </a:xfrm>
+          <a:prstGeom prst="rect">
+            <a:avLst/>
+          </a:prstGeom>
+        </p:spPr>
+        <p:txBody>
+          <a:bodyPr>
+            <a:spAutoFit/>
+          </a:bodyPr>
+          <a:p>
+            <a:pPr>
+              <a:spcAft>
+                <a:spcPct val="60000"/>
+              </a:spcAft>
+            </a:pPr>
+            <a:r>
+              <a:rPr sz="2200" b="1">
+                <a:solidFill>
+                  <a:schemeClr val="accent1">
+                    <a:lumMod val="50000"/>
+                  </a:schemeClr>
+                </a:solidFill>
+              </a:rPr>
+              <a:t>🤖 RCNN (Region-based CNN)</a:t>
+            </a:r>
+            <a:endParaRPr sz="2200" b="1">
+              <a:solidFill>
+                <a:schemeClr val="accent1">
+                  <a:lumMod val="50000"/>
+                </a:schemeClr>
+              </a:solidFill>
+            </a:endParaRPr>
+          </a:p>
+          <a:p>
+            <a:r>
+              <a:rPr sz="1600"/>
+              <a:t>RCNN (Region-based Convolutional Neural Network) is one of the earliest deep learning-based object detection methods. It divides the image into regions of interest (RoIs) and applies CNNs on each region for object classification.</a:t>
+            </a:r>
+            <a:endParaRPr sz="1600"/>
+          </a:p>
+          <a:p>
+            <a:pPr>
+              <a:spcAft>
+                <a:spcPct val="60000"/>
+              </a:spcAft>
+            </a:pPr>
+            <a:r>
+              <a:rPr sz="1900" b="1"/>
+              <a:t>How it works:</a:t>
+            </a:r>
+            <a:endParaRPr sz="1900" b="1"/>
+          </a:p>
+          <a:p>
+            <a:pPr>
+              <a:buAutoNum type="arabicPeriod"/>
+            </a:pPr>
+            <a:r>
+              <a:rPr sz="1600"/>
+              <a:t>Selective Search: Proposes regions (bounding boxes) that could contain objects.</a:t>
+            </a:r>
+            <a:endParaRPr sz="1600"/>
+          </a:p>
+          <a:p>
+            <a:pPr>
+              <a:buAutoNum type="arabicPeriod"/>
+            </a:pPr>
+            <a:r>
+              <a:rPr sz="1600"/>
+              <a:t>CNN-based Feature Extraction: Each region is passed through a CNN to extract features.</a:t>
+            </a:r>
+            <a:endParaRPr sz="1600"/>
+          </a:p>
+          <a:p>
+            <a:pPr>
+              <a:buAutoNum type="arabicPeriod"/>
+            </a:pPr>
+            <a:r>
+              <a:rPr sz="1600"/>
+              <a:t>Classification: The extracted features are passed to a classifier (like SVM) to identify the object.</a:t>
+            </a:r>
+            <a:endParaRPr sz="1600"/>
+          </a:p>
+          <a:p>
+            <a:pPr>
+              <a:spcAft>
+                <a:spcPct val="60000"/>
+              </a:spcAft>
+            </a:pPr>
+            <a:r>
+              <a:rPr sz="1900" b="1"/>
+              <a:t>Advantages:</a:t>
+            </a:r>
+            <a:endParaRPr sz="1900" b="1"/>
+          </a:p>
+          <a:p>
+            <a:pPr>
+              <a:buFont typeface="Arial" panose="020B0604020202020204"/>
+              <a:buChar char="•"/>
+            </a:pPr>
+            <a:r>
+              <a:rPr sz="1600"/>
+              <a:t>High accuracy for object detection.</a:t>
+            </a:r>
+            <a:endParaRPr sz="1600"/>
+          </a:p>
+          <a:p>
+            <a:pPr>
+              <a:buFont typeface="Arial" panose="020B0604020202020204"/>
+              <a:buChar char="•"/>
+            </a:pPr>
+            <a:r>
+              <a:rPr sz="1600"/>
+              <a:t>Works well for both classification and localization.</a:t>
+            </a:r>
+            <a:endParaRPr sz="1600"/>
+          </a:p>
+          <a:p>
+            <a:pPr>
+              <a:spcAft>
+                <a:spcPct val="60000"/>
+              </a:spcAft>
+            </a:pPr>
+            <a:r>
+              <a:rPr sz="1900" b="1"/>
+              <a:t>Limitations:</a:t>
+            </a:r>
+            <a:endParaRPr sz="1900" b="1"/>
+          </a:p>
+          <a:p>
+            <a:pPr>
+              <a:buFont typeface="Arial" panose="020B0604020202020204"/>
+              <a:buChar char="•"/>
+            </a:pPr>
+            <a:r>
+              <a:rPr sz="1600"/>
+              <a:t>Slow: Multiple steps (region proposal, CNN extraction, etc.) lead to high computational costs.</a:t>
+            </a:r>
+            <a:endParaRPr sz="1600"/>
+          </a:p>
+          <a:p>
+            <a:pPr>
+              <a:buFont typeface="Arial" panose="020B0604020202020204"/>
+              <a:buChar char="•"/>
+            </a:pPr>
+            <a:r>
+              <a:rPr sz="1600"/>
+              <a:t>Requires significant computational resources.</a:t>
+            </a:r>
+            <a:endParaRPr sz="1600"/>
+          </a:p>
+        </p:txBody>
+      </p:sp>
+      <p:sp>
+        <p:nvSpPr>
+          <p:cNvPr id="3" name="Text Box 2"/>
+          <p:cNvSpPr txBox="1"/>
+          <p:nvPr/>
+        </p:nvSpPr>
+        <p:spPr>
+          <a:xfrm>
+            <a:off x="6591300" y="521970"/>
+            <a:ext cx="5026025" cy="1198880"/>
+          </a:xfrm>
+          <a:prstGeom prst="rect">
+            <a:avLst/>
+          </a:prstGeom>
+          <a:noFill/>
+        </p:spPr>
+        <p:txBody>
+          <a:bodyPr wrap="square" rtlCol="0">
+            <a:spAutoFit/>
+          </a:bodyPr>
+          <a:p>
+            <a:r>
+              <a:rPr lang="en-US" altLang="en-US"/>
+              <a:t>R-CNN Explained</a:t>
+            </a:r>
+            <a:endParaRPr lang="en-US" altLang="en-US"/>
+          </a:p>
+          <a:p>
+            <a:r>
+              <a:rPr lang="en-US" altLang="en-US"/>
+              <a:t>https://youtu.be/5DvljLV4S1E?feature=shared</a:t>
+            </a:r>
+            <a:endParaRPr lang="en-US" altLang="en-US"/>
+          </a:p>
+          <a:p>
+            <a:endParaRPr lang="en-US" altLang="en-US"/>
+          </a:p>
+          <a:p>
+            <a:r>
+              <a:rPr lang="en-US" altLang="en-US">
+                <a:sym typeface="+mn-ea"/>
+              </a:rPr>
+              <a:t>Fast  R-CNN , </a:t>
+            </a:r>
+            <a:r>
+              <a:rPr lang="en-US" altLang="en-US"/>
+              <a:t>Faster  R-CNN </a:t>
+            </a:r>
+            <a:endParaRPr lang="en-US" altLang="en-US"/>
+          </a:p>
+        </p:txBody>
+      </p:sp>
+    </p:spTree>
+  </p:cSld>
+  <p:clrMapOvr>
+    <a:masterClrMapping/>
+  </p:clrMapOvr>
+</p:sld>
+</file>
+
+<file path=ppt/slides/slide15.xml><?xml version="1.0" encoding="utf-8"?>
+<p:sld xmlns:a="http://schemas.openxmlformats.org/drawingml/2006/main" xmlns:r="http://schemas.openxmlformats.org/officeDocument/2006/relationships" xmlns:p="http://schemas.openxmlformats.org/presentationml/2006/main">
+  <p:cSld>
+    <p:spTree>
+      <p:nvGrpSpPr>
+        <p:cNvPr id="1" name=""/>
+        <p:cNvGrpSpPr/>
+        <p:nvPr/>
+      </p:nvGrpSpPr>
+      <p:grpSpPr/>
+      <p:sp>
+        <p:nvSpPr>
+          <p:cNvPr id="2" name="Text Box 1"/>
+          <p:cNvSpPr txBox="1"/>
+          <p:nvPr/>
+        </p:nvSpPr>
+        <p:spPr>
+          <a:xfrm>
+            <a:off x="125730" y="0"/>
+            <a:ext cx="4516120" cy="6875145"/>
+          </a:xfrm>
+          <a:prstGeom prst="rect">
+            <a:avLst/>
+          </a:prstGeom>
+        </p:spPr>
+        <p:txBody>
+          <a:bodyPr wrap="square">
+            <a:spAutoFit/>
+          </a:bodyPr>
+          <a:p>
+            <a:pPr>
+              <a:spcAft>
+                <a:spcPct val="60000"/>
+              </a:spcAft>
+            </a:pPr>
+            <a:r>
+              <a:rPr sz="2200" b="1"/>
+              <a:t>⚡ YOLO (You Only Look Once)</a:t>
+            </a:r>
+            <a:endParaRPr sz="2200" b="1"/>
+          </a:p>
+          <a:p>
+            <a:r>
+              <a:rPr sz="1600"/>
+              <a:t>YOLO is a real-time object detection system that is both fast and accurate. Unlike traditional methods (e.g., RCNN), YOLO performs detection in a single pass, which allows it to be extremely fast and suitable for real-time applications.</a:t>
+            </a:r>
+            <a:endParaRPr sz="1600"/>
+          </a:p>
+          <a:p>
+            <a:pPr>
+              <a:spcAft>
+                <a:spcPct val="60000"/>
+              </a:spcAft>
+            </a:pPr>
+            <a:r>
+              <a:rPr sz="1900" b="1"/>
+              <a:t>How it works:</a:t>
+            </a:r>
+            <a:endParaRPr sz="1900" b="1"/>
+          </a:p>
+          <a:p>
+            <a:pPr>
+              <a:buFont typeface="Arial" panose="020B0604020202020204"/>
+              <a:buChar char="•"/>
+            </a:pPr>
+            <a:r>
+              <a:rPr sz="1600"/>
+              <a:t>Single Neural Network: YOLO divides the image into a grid and predicts bounding boxes and class probabilities for each grid cell in a single pass.</a:t>
+            </a:r>
+            <a:endParaRPr sz="1600"/>
+          </a:p>
+          <a:p>
+            <a:pPr>
+              <a:buFont typeface="Arial" panose="020B0604020202020204"/>
+              <a:buChar char="•"/>
+            </a:pPr>
+            <a:endParaRPr sz="1600"/>
+          </a:p>
+          <a:p>
+            <a:pPr>
+              <a:buFont typeface="Arial" panose="020B0604020202020204"/>
+              <a:buChar char="•"/>
+            </a:pPr>
+            <a:r>
+              <a:rPr sz="1600"/>
+              <a:t>Unified Prediction: All outputs (bounding boxes and class predictions) are generated at once, making it faster than traditional methods.</a:t>
+            </a:r>
+            <a:endParaRPr sz="1600"/>
+          </a:p>
+          <a:p>
+            <a:pPr>
+              <a:spcAft>
+                <a:spcPct val="60000"/>
+              </a:spcAft>
+            </a:pPr>
+            <a:r>
+              <a:rPr sz="1900" b="1"/>
+              <a:t>Advantages:</a:t>
+            </a:r>
+            <a:endParaRPr sz="1900" b="1"/>
+          </a:p>
+          <a:p>
+            <a:pPr>
+              <a:buFont typeface="Arial" panose="020B0604020202020204"/>
+              <a:buChar char="•"/>
+            </a:pPr>
+            <a:r>
+              <a:rPr sz="1600"/>
+              <a:t>Real-time: Extremely fast, making it ideal for video processing.</a:t>
+            </a:r>
+            <a:endParaRPr sz="1600"/>
+          </a:p>
+          <a:p>
+            <a:pPr>
+              <a:buFont typeface="Arial" panose="020B0604020202020204"/>
+              <a:buChar char="•"/>
+            </a:pPr>
+            <a:r>
+              <a:rPr sz="1600"/>
+              <a:t>Accurate: High accuracy due to unified prediction.</a:t>
+            </a:r>
+            <a:endParaRPr sz="1600"/>
+          </a:p>
+          <a:p>
+            <a:pPr>
+              <a:buFont typeface="Arial" panose="020B0604020202020204"/>
+              <a:buChar char="•"/>
+            </a:pPr>
+            <a:r>
+              <a:rPr sz="1600"/>
+              <a:t>Works well for both small and large objects.</a:t>
+            </a:r>
+            <a:endParaRPr sz="1600"/>
+          </a:p>
+          <a:p>
+            <a:pPr>
+              <a:spcAft>
+                <a:spcPct val="60000"/>
+              </a:spcAft>
+            </a:pPr>
+            <a:r>
+              <a:rPr sz="1900" b="1"/>
+              <a:t>Limitations:</a:t>
+            </a:r>
+            <a:endParaRPr sz="1900" b="1"/>
+          </a:p>
+          <a:p>
+            <a:pPr>
+              <a:buFont typeface="Arial" panose="020B0604020202020204"/>
+              <a:buChar char="•"/>
+            </a:pPr>
+            <a:r>
+              <a:rPr sz="1600"/>
+              <a:t>Struggles with detecting very small objects.</a:t>
+            </a:r>
+            <a:endParaRPr sz="1600"/>
+          </a:p>
+          <a:p>
+            <a:pPr>
+              <a:buFont typeface="Arial" panose="020B0604020202020204"/>
+              <a:buChar char="•"/>
+            </a:pPr>
+            <a:r>
+              <a:rPr sz="1600"/>
+              <a:t>Can sometimes miss objects at the edges of the image.</a:t>
+            </a:r>
+            <a:endParaRPr sz="1600"/>
+          </a:p>
+        </p:txBody>
+      </p:sp>
+      <p:sp>
+        <p:nvSpPr>
+          <p:cNvPr id="3" name="Text Box 2"/>
+          <p:cNvSpPr txBox="1"/>
+          <p:nvPr/>
+        </p:nvSpPr>
+        <p:spPr>
+          <a:xfrm>
+            <a:off x="4752340" y="0"/>
+            <a:ext cx="7903845" cy="6985635"/>
+          </a:xfrm>
+          <a:prstGeom prst="rect">
+            <a:avLst/>
+          </a:prstGeom>
+          <a:noFill/>
+        </p:spPr>
+        <p:txBody>
+          <a:bodyPr wrap="square" rtlCol="0" anchor="t">
+            <a:spAutoFit/>
+          </a:bodyPr>
+          <a:p>
+            <a:r>
+              <a:rPr lang="en-US" altLang="en-US" sz="1600"/>
+              <a:t>import cv2</a:t>
+            </a:r>
+            <a:endParaRPr lang="en-US" altLang="en-US" sz="1600"/>
+          </a:p>
+          <a:p>
+            <a:r>
+              <a:rPr lang="en-US" altLang="en-US" sz="1600"/>
+              <a:t>import numpy as np</a:t>
+            </a:r>
+            <a:endParaRPr lang="en-US" altLang="en-US" sz="1600"/>
+          </a:p>
+          <a:p>
+            <a:r>
+              <a:rPr lang="en-US" altLang="en-US" sz="1600" b="1"/>
+              <a:t># Load YOLO pre-trained model</a:t>
+            </a:r>
+            <a:endParaRPr lang="en-US" altLang="en-US" sz="1600" b="1"/>
+          </a:p>
+          <a:p>
+            <a:r>
+              <a:rPr lang="en-US" altLang="en-US" sz="1600"/>
+              <a:t>net = cv2.dnn.readNet("yolov3.weights", "yolov3.cfg")</a:t>
+            </a:r>
+            <a:endParaRPr lang="en-US" altLang="en-US" sz="1600"/>
+          </a:p>
+          <a:p>
+            <a:r>
+              <a:rPr lang="en-US" altLang="en-US" sz="1600"/>
+              <a:t>layer_names = net.getLayerNames()</a:t>
+            </a:r>
+            <a:endParaRPr lang="en-US" altLang="en-US" sz="1600"/>
+          </a:p>
+          <a:p>
+            <a:r>
+              <a:rPr lang="en-US" altLang="en-US" sz="1600"/>
+              <a:t>output_layers = [layer_names[i - 1] for i in net.getUnconnectedOutLayers()]</a:t>
+            </a:r>
+            <a:endParaRPr lang="en-US" altLang="en-US" sz="1600"/>
+          </a:p>
+          <a:p>
+            <a:r>
+              <a:rPr lang="en-US" altLang="en-US" sz="1600" b="1"/>
+              <a:t># Load image</a:t>
+            </a:r>
+            <a:endParaRPr lang="en-US" altLang="en-US" sz="1600" b="1"/>
+          </a:p>
+          <a:p>
+            <a:r>
+              <a:rPr lang="en-US" altLang="en-US" sz="1600"/>
+              <a:t>image = cv2.imread('image.jpg')</a:t>
+            </a:r>
+            <a:endParaRPr lang="en-US" altLang="en-US" sz="1600"/>
+          </a:p>
+          <a:p>
+            <a:r>
+              <a:rPr lang="en-US" altLang="en-US" sz="1600"/>
+              <a:t>blob = cv2.dnn.blobFromImage(image, 0.00392, (416, 416), (0, 0, 0), True, crop=False)</a:t>
+            </a:r>
+            <a:endParaRPr lang="en-US" altLang="en-US" sz="1600"/>
+          </a:p>
+          <a:p>
+            <a:r>
+              <a:rPr lang="en-US" altLang="en-US" sz="1600"/>
+              <a:t>net.setInput(blob)</a:t>
+            </a:r>
+            <a:endParaRPr lang="en-US" altLang="en-US" sz="1600"/>
+          </a:p>
+          <a:p>
+            <a:r>
+              <a:rPr lang="en-US" altLang="en-US" sz="1600" b="1"/>
+              <a:t># Perform detection</a:t>
+            </a:r>
+            <a:endParaRPr lang="en-US" altLang="en-US" sz="1600" b="1"/>
+          </a:p>
+          <a:p>
+            <a:r>
+              <a:rPr lang="en-US" altLang="en-US" sz="1600"/>
+              <a:t>outs = net.forward(output_layers)</a:t>
+            </a:r>
+            <a:endParaRPr lang="en-US" altLang="en-US" sz="1600"/>
+          </a:p>
+          <a:p>
+            <a:r>
+              <a:rPr lang="en-US" altLang="en-US" sz="1600" b="1"/>
+              <a:t># Draw bounding boxes and labels</a:t>
+            </a:r>
+            <a:endParaRPr lang="en-US" altLang="en-US" sz="1600" b="1"/>
+          </a:p>
+          <a:p>
+            <a:r>
+              <a:rPr lang="en-US" altLang="en-US" sz="1600"/>
+              <a:t>for out in outs:</a:t>
+            </a:r>
+            <a:endParaRPr lang="en-US" altLang="en-US" sz="1600"/>
+          </a:p>
+          <a:p>
+            <a:r>
+              <a:rPr lang="en-US" altLang="en-US" sz="1600"/>
+              <a:t>    for detection in out:</a:t>
+            </a:r>
+            <a:endParaRPr lang="en-US" altLang="en-US" sz="1600"/>
+          </a:p>
+          <a:p>
+            <a:r>
+              <a:rPr lang="en-US" altLang="en-US" sz="1600"/>
+              <a:t>        scores = detection[5:]</a:t>
+            </a:r>
+            <a:endParaRPr lang="en-US" altLang="en-US" sz="1600"/>
+          </a:p>
+          <a:p>
+            <a:r>
+              <a:rPr lang="en-US" altLang="en-US" sz="1600"/>
+              <a:t>        class_id = np.argmax(scores)</a:t>
+            </a:r>
+            <a:endParaRPr lang="en-US" altLang="en-US" sz="1600"/>
+          </a:p>
+          <a:p>
+            <a:r>
+              <a:rPr lang="en-US" altLang="en-US" sz="1600"/>
+              <a:t>        confidence = scores[class_id]</a:t>
+            </a:r>
+            <a:endParaRPr lang="en-US" altLang="en-US" sz="1600"/>
+          </a:p>
+          <a:p>
+            <a:r>
+              <a:rPr lang="en-US" altLang="en-US" sz="1600"/>
+              <a:t>        if confidence &gt; 0.5:</a:t>
+            </a:r>
+            <a:endParaRPr lang="en-US" altLang="en-US" sz="1600"/>
+          </a:p>
+          <a:p>
+            <a:r>
+              <a:rPr lang="en-US" altLang="en-US" sz="1600"/>
+              <a:t>            center_x = int(detection[0] * image.shape[1])</a:t>
+            </a:r>
+            <a:endParaRPr lang="en-US" altLang="en-US" sz="1600"/>
+          </a:p>
+          <a:p>
+            <a:r>
+              <a:rPr lang="en-US" altLang="en-US" sz="1600"/>
+              <a:t>            center_y = int(detection[1] * image.shape[0])</a:t>
+            </a:r>
+            <a:endParaRPr lang="en-US" altLang="en-US" sz="1600"/>
+          </a:p>
+          <a:p>
+            <a:r>
+              <a:rPr lang="en-US" altLang="en-US" sz="1600"/>
+              <a:t>            w = int(detection[2] * image.shape[1])</a:t>
+            </a:r>
+            <a:endParaRPr lang="en-US" altLang="en-US" sz="1600"/>
+          </a:p>
+          <a:p>
+            <a:r>
+              <a:rPr lang="en-US" altLang="en-US" sz="1600"/>
+              <a:t>            h = int(detection[3] * image.shape[0])</a:t>
+            </a:r>
+            <a:endParaRPr lang="en-US" altLang="en-US" sz="1600"/>
+          </a:p>
+          <a:p>
+            <a:r>
+              <a:rPr lang="en-US" altLang="en-US" sz="1600"/>
+              <a:t>            cv2.rectangle(image, (center_x - w // 2, center_y - h // 2), </a:t>
+            </a:r>
+            <a:endParaRPr lang="en-US" altLang="en-US" sz="1600"/>
+          </a:p>
+          <a:p>
+            <a:r>
+              <a:rPr lang="en-US" altLang="en-US" sz="1600"/>
+              <a:t>                          (center_x + w // 2, center_y + h // 2), (0, 255, 0), 2)</a:t>
+            </a:r>
+            <a:endParaRPr lang="en-US" altLang="en-US" sz="1600"/>
+          </a:p>
+          <a:p>
+            <a:r>
+              <a:rPr lang="en-US" altLang="en-US" sz="1600"/>
+              <a:t>cv2.imshow("YOLO Detection", image)</a:t>
+            </a:r>
+            <a:endParaRPr lang="en-US" altLang="en-US" sz="1600"/>
+          </a:p>
+          <a:p>
+            <a:r>
+              <a:rPr lang="en-US" altLang="en-US" sz="1600"/>
+              <a:t>cv2.waitKey(0)</a:t>
+            </a:r>
+            <a:endParaRPr lang="en-US" altLang="en-US" sz="1600"/>
+          </a:p>
+          <a:p>
+            <a:r>
+              <a:rPr lang="en-US" altLang="en-US" sz="1600"/>
+              <a:t>cv2.destroyAllWindows()</a:t>
+            </a:r>
+            <a:endParaRPr lang="en-US" altLang="en-US" sz="1600"/>
+          </a:p>
+        </p:txBody>
+      </p:sp>
+    </p:spTree>
+  </p:cSld>
+  <p:clrMapOvr>
+    <a:masterClrMapping/>
+  </p:clrMapOvr>
+</p:sld>
+</file>
+
+<file path=ppt/slides/slide16.xml><?xml version="1.0" encoding="utf-8"?>
+<p:sld xmlns:a="http://schemas.openxmlformats.org/drawingml/2006/main" xmlns:r="http://schemas.openxmlformats.org/officeDocument/2006/relationships" xmlns:p="http://schemas.openxmlformats.org/presentationml/2006/main">
+  <p:cSld>
+    <p:spTree>
+      <p:nvGrpSpPr>
+        <p:cNvPr id="1" name=""/>
+        <p:cNvGrpSpPr/>
+        <p:nvPr/>
+      </p:nvGrpSpPr>
+      <p:grpSpPr/>
+      <p:sp>
+        <p:nvSpPr>
+          <p:cNvPr id="2" name="Text Box 1"/>
+          <p:cNvSpPr txBox="1"/>
+          <p:nvPr/>
+        </p:nvSpPr>
+        <p:spPr>
+          <a:xfrm>
+            <a:off x="472440" y="1196975"/>
+            <a:ext cx="8163560" cy="2893060"/>
+          </a:xfrm>
+          <a:prstGeom prst="rect">
+            <a:avLst/>
+          </a:prstGeom>
+        </p:spPr>
+        <p:txBody>
+          <a:bodyPr wrap="square">
+            <a:spAutoFit/>
+          </a:bodyPr>
+          <a:p>
+            <a:pPr>
+              <a:spcAft>
+                <a:spcPct val="60000"/>
+              </a:spcAft>
+            </a:pPr>
+            <a:r>
+              <a:rPr sz="2200" b="1"/>
+              <a:t>🧑‍🏫 Summary:</a:t>
+            </a:r>
+            <a:endParaRPr sz="2200" b="1"/>
+          </a:p>
+          <a:p>
+            <a:pPr lvl="1">
+              <a:buFont typeface="Arial" panose="020B0604020202020204"/>
+              <a:buChar char="•"/>
+            </a:pPr>
+            <a:r>
+              <a:rPr sz="1600"/>
+              <a:t>Haar Cascade is a simple, fast method but works best with smaller and simpler objects.</a:t>
+            </a:r>
+            <a:endParaRPr sz="1600"/>
+          </a:p>
+          <a:p>
+            <a:pPr lvl="1">
+              <a:buFont typeface="Arial" panose="020B0604020202020204"/>
+              <a:buChar char="•"/>
+            </a:pPr>
+            <a:endParaRPr sz="1600"/>
+          </a:p>
+          <a:p>
+            <a:pPr lvl="1">
+              <a:buFont typeface="Arial" panose="020B0604020202020204"/>
+              <a:buChar char="•"/>
+            </a:pPr>
+            <a:r>
+              <a:rPr sz="1600"/>
+              <a:t>MobileNet SSD is efficient for real-time detection on mobile devices, but may lack accuracy compared to heavier models.</a:t>
+            </a:r>
+            <a:endParaRPr sz="1600"/>
+          </a:p>
+          <a:p>
+            <a:pPr lvl="1">
+              <a:buFont typeface="Arial" panose="020B0604020202020204"/>
+              <a:buChar char="•"/>
+            </a:pPr>
+            <a:endParaRPr sz="1600"/>
+          </a:p>
+          <a:p>
+            <a:pPr lvl="1">
+              <a:buFont typeface="Arial" panose="020B0604020202020204"/>
+              <a:buChar char="•"/>
+            </a:pPr>
+            <a:r>
+              <a:rPr sz="1600"/>
+              <a:t>RCNN provides high accuracy but is computationally expensive.</a:t>
+            </a:r>
+            <a:endParaRPr sz="1600"/>
+          </a:p>
+          <a:p>
+            <a:pPr lvl="1">
+              <a:buFont typeface="Arial" panose="020B0604020202020204"/>
+              <a:buChar char="•"/>
+            </a:pPr>
+            <a:endParaRPr sz="1600"/>
+          </a:p>
+          <a:p>
+            <a:pPr lvl="1">
+              <a:buFont typeface="Arial" panose="020B0604020202020204"/>
+              <a:buChar char="•"/>
+            </a:pPr>
+            <a:r>
+              <a:rPr sz="1600"/>
+              <a:t>YOLO is fast, real-time, and highly accurate, ideal for detecting multiple objects in videos or real-time applications.</a:t>
+            </a:r>
+            <a:endParaRPr sz="1600"/>
+          </a:p>
+        </p:txBody>
+      </p:sp>
+    </p:spTree>
+  </p:cSld>
+  <p:clrMapOvr>
+    <a:masterClrMapping/>
+  </p:clrMapOvr>
+</p:sld>
+</file>
+
+<file path=ppt/slides/slide17.xml><?xml version="1.0" encoding="utf-8"?>
+<p:sld xmlns:a="http://schemas.openxmlformats.org/drawingml/2006/main" xmlns:r="http://schemas.openxmlformats.org/officeDocument/2006/relationships" xmlns:p="http://schemas.openxmlformats.org/presentationml/2006/main">
+  <p:cSld>
+    <p:spTree>
+      <p:nvGrpSpPr>
+        <p:cNvPr id="1" name=""/>
+        <p:cNvGrpSpPr/>
+        <p:nvPr/>
+      </p:nvGrpSpPr>
+      <p:grpSpPr/>
+      <p:sp>
+        <p:nvSpPr>
+          <p:cNvPr id="3" name="Text Box 2"/>
+          <p:cNvSpPr txBox="1"/>
+          <p:nvPr/>
+        </p:nvSpPr>
+        <p:spPr>
+          <a:xfrm>
+            <a:off x="525145" y="147638"/>
+            <a:ext cx="5080000" cy="1694180"/>
           </a:xfrm>
           <a:prstGeom prst="rect">
             <a:avLst/>
@@ -4504,16 +5998,27 @@
               </a:spcAft>
             </a:pPr>
             <a:r>
-              <a:rPr sz="2500" b="0" i="0">
+              <a:rPr sz="3600" b="1" i="0">
+                <a:solidFill>
+                  <a:srgbClr val="C00000"/>
+                </a:solidFill>
+                <a:latin typeface="Arial" panose="020B0604020202020204" pitchFamily="34" charset="0"/>
+                <a:ea typeface="Tomorrow"/>
+                <a:cs typeface="Arial" panose="020B0604020202020204" pitchFamily="34" charset="0"/>
+              </a:rPr>
+              <a:t>MediaPipe </a:t>
+            </a:r>
+            <a:r>
+              <a:rPr sz="2500" b="1" i="0">
                 <a:solidFill>
                   <a:srgbClr val="333333"/>
                 </a:solidFill>
                 <a:latin typeface="Tomorrow"/>
                 <a:ea typeface="Tomorrow"/>
               </a:rPr>
-              <a:t>MediaPipe  </a:t>
-            </a:r>
-            <a:endParaRPr sz="2500" b="0" i="0">
+              <a:t> </a:t>
+            </a:r>
+            <a:endParaRPr sz="2500" b="1" i="0">
               <a:solidFill>
                 <a:srgbClr val="333333"/>
               </a:solidFill>
@@ -4522,16 +6027,18 @@
             </a:endParaRPr>
           </a:p>
           <a:p>
-            <a:pPr marL="0" indent="0">
+            <a:pPr marL="742950" lvl="1" indent="-285750">
               <a:spcBef>
                 <a:spcPct val="0"/>
               </a:spcBef>
               <a:spcAft>
                 <a:spcPct val="0"/>
               </a:spcAft>
-            </a:pPr>
-            <a:r>
-              <a:rPr sz="1600" b="0" i="0">
+              <a:buFont typeface="Arial" panose="020B0604020202020204" pitchFamily="34" charset="0"/>
+              <a:buChar char="•"/>
+            </a:pPr>
+            <a:r>
+              <a:rPr sz="1600" b="1" i="0">
                 <a:solidFill>
                   <a:srgbClr val="333333"/>
                 </a:solidFill>
@@ -4540,7 +6047,7 @@
               </a:rPr>
               <a:t>Introduction to MediaPipe</a:t>
             </a:r>
-            <a:endParaRPr sz="1600" b="0" i="0">
+            <a:endParaRPr sz="1600" b="1" i="0">
               <a:solidFill>
                 <a:srgbClr val="333333"/>
               </a:solidFill>
@@ -4549,16 +6056,18 @@
             </a:endParaRPr>
           </a:p>
           <a:p>
-            <a:pPr marL="0" indent="0">
+            <a:pPr marL="742950" lvl="1" indent="-285750">
               <a:spcBef>
                 <a:spcPct val="0"/>
               </a:spcBef>
               <a:spcAft>
                 <a:spcPct val="0"/>
               </a:spcAft>
-            </a:pPr>
-            <a:r>
-              <a:rPr sz="1600" b="0" i="0">
+              <a:buFont typeface="Arial" panose="020B0604020202020204" pitchFamily="34" charset="0"/>
+              <a:buChar char="•"/>
+            </a:pPr>
+            <a:r>
+              <a:rPr sz="1600" b="1" i="0">
                 <a:solidFill>
                   <a:srgbClr val="333333"/>
                 </a:solidFill>
@@ -4567,7 +6076,7 @@
               </a:rPr>
               <a:t>FaceMesh</a:t>
             </a:r>
-            <a:endParaRPr sz="1600" b="0" i="0">
+            <a:endParaRPr sz="1600" b="1" i="0">
               <a:solidFill>
                 <a:srgbClr val="333333"/>
               </a:solidFill>
@@ -4576,16 +6085,18 @@
             </a:endParaRPr>
           </a:p>
           <a:p>
-            <a:pPr marL="0" indent="0">
+            <a:pPr marL="742950" lvl="1" indent="-285750">
               <a:spcBef>
                 <a:spcPct val="0"/>
               </a:spcBef>
               <a:spcAft>
                 <a:spcPct val="0"/>
               </a:spcAft>
-            </a:pPr>
-            <a:r>
-              <a:rPr sz="1600" b="0" i="0">
+              <a:buFont typeface="Arial" panose="020B0604020202020204" pitchFamily="34" charset="0"/>
+              <a:buChar char="•"/>
+            </a:pPr>
+            <a:r>
+              <a:rPr sz="1600" b="1" i="0">
                 <a:solidFill>
                   <a:srgbClr val="333333"/>
                 </a:solidFill>
@@ -4594,7 +6105,7 @@
               </a:rPr>
               <a:t>Hand, Pose and Holistic Models</a:t>
             </a:r>
-            <a:endParaRPr sz="1600" b="0" i="0">
+            <a:endParaRPr sz="1600" b="1" i="0">
               <a:solidFill>
                 <a:srgbClr val="333333"/>
               </a:solidFill>
@@ -4603,16 +6114,18 @@
             </a:endParaRPr>
           </a:p>
           <a:p>
-            <a:pPr marL="0" indent="0">
+            <a:pPr marL="742950" lvl="1" indent="-285750">
               <a:spcBef>
                 <a:spcPct val="0"/>
               </a:spcBef>
               <a:spcAft>
                 <a:spcPct val="0"/>
               </a:spcAft>
-            </a:pPr>
-            <a:r>
-              <a:rPr sz="1600" b="0" i="0">
+              <a:buFont typeface="Arial" panose="020B0604020202020204" pitchFamily="34" charset="0"/>
+              <a:buChar char="•"/>
+            </a:pPr>
+            <a:r>
+              <a:rPr sz="1600" b="1" i="0">
                 <a:solidFill>
                   <a:srgbClr val="333333"/>
                 </a:solidFill>
@@ -4621,13 +6134,851 @@
               </a:rPr>
               <a:t>Assignment</a:t>
             </a:r>
-            <a:endParaRPr sz="1600" b="0" i="0">
+            <a:endParaRPr sz="1600" b="1" i="0">
               <a:solidFill>
                 <a:srgbClr val="333333"/>
               </a:solidFill>
               <a:latin typeface="Tomorrow"/>
               <a:ea typeface="Tomorrow"/>
             </a:endParaRPr>
+          </a:p>
+        </p:txBody>
+      </p:sp>
+      <p:sp>
+        <p:nvSpPr>
+          <p:cNvPr id="2" name="Text Box 1"/>
+          <p:cNvSpPr txBox="1"/>
+          <p:nvPr/>
+        </p:nvSpPr>
+        <p:spPr>
+          <a:xfrm>
+            <a:off x="1406525" y="6489700"/>
+            <a:ext cx="6096000" cy="368300"/>
+          </a:xfrm>
+          <a:prstGeom prst="rect">
+            <a:avLst/>
+          </a:prstGeom>
+          <a:noFill/>
+        </p:spPr>
+        <p:txBody>
+          <a:bodyPr wrap="square" rtlCol="0" anchor="t">
+            <a:spAutoFit/>
+          </a:bodyPr>
+          <a:p>
+            <a:r>
+              <a:rPr lang="en-US" altLang="en-US"/>
+              <a:t>https://www.youtube.com/watch?v=3NePkYhFkiw</a:t>
+            </a:r>
+            <a:endParaRPr lang="en-US"/>
+          </a:p>
+        </p:txBody>
+      </p:sp>
+      <p:sp>
+        <p:nvSpPr>
+          <p:cNvPr id="4" name="Text Box 3"/>
+          <p:cNvSpPr txBox="1"/>
+          <p:nvPr/>
+        </p:nvSpPr>
+        <p:spPr>
+          <a:xfrm>
+            <a:off x="1500505" y="6121400"/>
+            <a:ext cx="6096000" cy="368300"/>
+          </a:xfrm>
+          <a:prstGeom prst="rect">
+            <a:avLst/>
+          </a:prstGeom>
+          <a:noFill/>
+        </p:spPr>
+        <p:txBody>
+          <a:bodyPr wrap="square" rtlCol="0" anchor="t">
+            <a:spAutoFit/>
+          </a:bodyPr>
+          <a:p>
+            <a:r>
+              <a:rPr lang="en-US" altLang="en-US"/>
+              <a:t>https://learnopencv.com/introduction-to-mediapipe/</a:t>
+            </a:r>
+            <a:endParaRPr lang="en-US"/>
+          </a:p>
+        </p:txBody>
+      </p:sp>
+      <p:pic>
+        <p:nvPicPr>
+          <p:cNvPr id="5" name="Picture 4"/>
+          <p:cNvPicPr/>
+          <p:nvPr/>
+        </p:nvPicPr>
+        <p:blipFill>
+          <a:blip r:embed="rId1"/>
+          <a:stretch>
+            <a:fillRect/>
+          </a:stretch>
+        </p:blipFill>
+        <p:spPr>
+          <a:xfrm>
+            <a:off x="3032125" y="1766570"/>
+            <a:ext cx="7315200" cy="4114800"/>
+          </a:xfrm>
+          <a:prstGeom prst="rect">
+            <a:avLst/>
+          </a:prstGeom>
+        </p:spPr>
+      </p:pic>
+      <p:sp>
+        <p:nvSpPr>
+          <p:cNvPr id="6" name="Text Box 5"/>
+          <p:cNvSpPr txBox="1"/>
+          <p:nvPr/>
+        </p:nvSpPr>
+        <p:spPr>
+          <a:xfrm>
+            <a:off x="6435090" y="6489700"/>
+            <a:ext cx="6096000" cy="368300"/>
+          </a:xfrm>
+          <a:prstGeom prst="rect">
+            <a:avLst/>
+          </a:prstGeom>
+          <a:noFill/>
+        </p:spPr>
+        <p:txBody>
+          <a:bodyPr wrap="square" rtlCol="0" anchor="t">
+            <a:spAutoFit/>
+          </a:bodyPr>
+          <a:p>
+            <a:r>
+              <a:rPr lang="en-US" altLang="en-US"/>
+              <a:t>https://www.youtube.com/watch?v=WKr8qOJvNas</a:t>
+            </a:r>
+            <a:endParaRPr lang="en-US"/>
+          </a:p>
+        </p:txBody>
+      </p:sp>
+      <p:sp>
+        <p:nvSpPr>
+          <p:cNvPr id="7" name="Text Box 6"/>
+          <p:cNvSpPr txBox="1"/>
+          <p:nvPr/>
+        </p:nvSpPr>
+        <p:spPr>
+          <a:xfrm>
+            <a:off x="1626235" y="5753100"/>
+            <a:ext cx="8018780" cy="368300"/>
+          </a:xfrm>
+          <a:prstGeom prst="rect">
+            <a:avLst/>
+          </a:prstGeom>
+          <a:noFill/>
+        </p:spPr>
+        <p:txBody>
+          <a:bodyPr wrap="square" rtlCol="0" anchor="t">
+            <a:spAutoFit/>
+          </a:bodyPr>
+          <a:p>
+            <a:r>
+              <a:rPr lang="en-US" altLang="en-US"/>
+              <a:t>https://mediapipe.readthedocs.io/en/latest/solutions/face_mesh.html</a:t>
+            </a:r>
+            <a:endParaRPr lang="en-US"/>
+          </a:p>
+        </p:txBody>
+      </p:sp>
+    </p:spTree>
+  </p:cSld>
+  <p:clrMapOvr>
+    <a:masterClrMapping/>
+  </p:clrMapOvr>
+</p:sld>
+</file>
+
+<file path=ppt/slides/slide18.xml><?xml version="1.0" encoding="utf-8"?>
+<p:sld xmlns:a="http://schemas.openxmlformats.org/drawingml/2006/main" xmlns:r="http://schemas.openxmlformats.org/officeDocument/2006/relationships" xmlns:p="http://schemas.openxmlformats.org/presentationml/2006/main">
+  <p:cSld>
+    <p:spTree>
+      <p:nvGrpSpPr>
+        <p:cNvPr id="1" name=""/>
+        <p:cNvGrpSpPr/>
+        <p:nvPr/>
+      </p:nvGrpSpPr>
+      <p:grpSpPr/>
+      <p:sp>
+        <p:nvSpPr>
+          <p:cNvPr id="2" name="Text Box 1"/>
+          <p:cNvSpPr txBox="1"/>
+          <p:nvPr/>
+        </p:nvSpPr>
+        <p:spPr>
+          <a:xfrm>
+            <a:off x="64770" y="0"/>
+            <a:ext cx="5080000" cy="3260090"/>
+          </a:xfrm>
+          <a:prstGeom prst="rect">
+            <a:avLst/>
+          </a:prstGeom>
+        </p:spPr>
+        <p:txBody>
+          <a:bodyPr>
+            <a:spAutoFit/>
+          </a:bodyPr>
+          <a:p>
+            <a:pPr>
+              <a:spcAft>
+                <a:spcPct val="60000"/>
+              </a:spcAft>
+            </a:pPr>
+            <a:r>
+              <a:rPr sz="2300" b="1"/>
+              <a:t>🧠 Introduction to MediaPipe</a:t>
+            </a:r>
+            <a:endParaRPr sz="2300" b="1"/>
+          </a:p>
+          <a:p>
+            <a:r>
+              <a:rPr sz="1600"/>
+              <a:t>MediaPipe is a cross-platform framework developed by Google for building multi-modal (video, audio, etc.) ML pipelines. It is especially popular for real-time computer vision applications.</a:t>
+            </a:r>
+            <a:endParaRPr sz="1600"/>
+          </a:p>
+          <a:p>
+            <a:pPr>
+              <a:spcAft>
+                <a:spcPct val="60000"/>
+              </a:spcAft>
+            </a:pPr>
+            <a:r>
+              <a:rPr sz="2200" b="1"/>
+              <a:t>🔑 Key Features:</a:t>
+            </a:r>
+            <a:endParaRPr sz="2200" b="1"/>
+          </a:p>
+          <a:p>
+            <a:pPr>
+              <a:buFont typeface="Arial" panose="020B0604020202020204"/>
+              <a:buChar char="•"/>
+            </a:pPr>
+            <a:r>
+              <a:rPr sz="1600"/>
+              <a:t>Real-time performance</a:t>
+            </a:r>
+            <a:endParaRPr sz="1600"/>
+          </a:p>
+          <a:p>
+            <a:pPr>
+              <a:buFont typeface="Arial" panose="020B0604020202020204"/>
+              <a:buChar char="•"/>
+            </a:pPr>
+            <a:r>
+              <a:rPr sz="1600"/>
+              <a:t>Cross-platform (Python, C++, Android, iOS, Web)</a:t>
+            </a:r>
+            <a:endParaRPr sz="1600"/>
+          </a:p>
+          <a:p>
+            <a:pPr>
+              <a:buFont typeface="Arial" panose="020B0604020202020204"/>
+              <a:buChar char="•"/>
+            </a:pPr>
+            <a:r>
+              <a:rPr sz="1600"/>
+              <a:t>Built-in ML models</a:t>
+            </a:r>
+            <a:endParaRPr sz="1600"/>
+          </a:p>
+          <a:p>
+            <a:pPr>
+              <a:buFont typeface="Arial" panose="020B0604020202020204"/>
+              <a:buChar char="•"/>
+            </a:pPr>
+            <a:r>
+              <a:rPr sz="1600"/>
+              <a:t>Easy-to-use APIs</a:t>
+            </a:r>
+            <a:endParaRPr sz="1600"/>
+          </a:p>
+        </p:txBody>
+      </p:sp>
+      <p:sp>
+        <p:nvSpPr>
+          <p:cNvPr id="3" name="Text Box 2"/>
+          <p:cNvSpPr txBox="1"/>
+          <p:nvPr/>
+        </p:nvSpPr>
+        <p:spPr>
+          <a:xfrm>
+            <a:off x="137795" y="3260090"/>
+            <a:ext cx="5080000" cy="429895"/>
+          </a:xfrm>
+          <a:prstGeom prst="rect">
+            <a:avLst/>
+          </a:prstGeom>
+        </p:spPr>
+        <p:txBody>
+          <a:bodyPr>
+            <a:spAutoFit/>
+          </a:bodyPr>
+          <a:p>
+            <a:pPr>
+              <a:spcAft>
+                <a:spcPct val="60000"/>
+              </a:spcAft>
+            </a:pPr>
+            <a:r>
+              <a:rPr sz="2200" b="1"/>
+              <a:t>Installation</a:t>
+            </a:r>
+            <a:r>
+              <a:rPr lang="en-US" sz="2200" b="1"/>
+              <a:t>  </a:t>
+            </a:r>
+            <a:r>
+              <a:rPr sz="1600"/>
+              <a:t>pip install mediapipe opencv-python</a:t>
+            </a:r>
+            <a:endParaRPr sz="1600"/>
+          </a:p>
+        </p:txBody>
+      </p:sp>
+      <p:sp>
+        <p:nvSpPr>
+          <p:cNvPr id="4" name="Text Box 3"/>
+          <p:cNvSpPr txBox="1"/>
+          <p:nvPr/>
+        </p:nvSpPr>
+        <p:spPr>
+          <a:xfrm>
+            <a:off x="0" y="3690302"/>
+            <a:ext cx="5080000" cy="2521585"/>
+          </a:xfrm>
+          <a:prstGeom prst="rect">
+            <a:avLst/>
+          </a:prstGeom>
+        </p:spPr>
+        <p:txBody>
+          <a:bodyPr>
+            <a:spAutoFit/>
+          </a:bodyPr>
+          <a:p>
+            <a:pPr>
+              <a:spcAft>
+                <a:spcPct val="60000"/>
+              </a:spcAft>
+            </a:pPr>
+            <a:r>
+              <a:rPr sz="2300" b="1"/>
+              <a:t>🧑‍🦰</a:t>
+            </a:r>
+            <a:r>
+              <a:rPr sz="2300" b="1">
+                <a:solidFill>
+                  <a:srgbClr val="FF0000"/>
+                </a:solidFill>
+              </a:rPr>
+              <a:t> 1. FaceMesh with MediaPipe</a:t>
+            </a:r>
+            <a:endParaRPr sz="2300" b="1"/>
+          </a:p>
+          <a:p>
+            <a:r>
+              <a:rPr sz="1600"/>
+              <a:t>FaceMesh detects 468 landmarks on the face, enabling detailed facial analysis.</a:t>
+            </a:r>
+            <a:endParaRPr sz="1600"/>
+          </a:p>
+          <a:p>
+            <a:pPr>
+              <a:spcAft>
+                <a:spcPct val="60000"/>
+              </a:spcAft>
+            </a:pPr>
+            <a:r>
+              <a:rPr sz="2200" b="1"/>
+              <a:t>✅ Applications:</a:t>
+            </a:r>
+            <a:endParaRPr sz="2200" b="1"/>
+          </a:p>
+          <a:p>
+            <a:pPr>
+              <a:buFont typeface="Arial" panose="020B0604020202020204"/>
+              <a:buChar char="•"/>
+            </a:pPr>
+            <a:r>
+              <a:rPr sz="1600"/>
+              <a:t>Face filters (like Snapchat)</a:t>
+            </a:r>
+            <a:endParaRPr sz="1600"/>
+          </a:p>
+          <a:p>
+            <a:pPr>
+              <a:buFont typeface="Arial" panose="020B0604020202020204"/>
+              <a:buChar char="•"/>
+            </a:pPr>
+            <a:r>
+              <a:rPr sz="1600"/>
+              <a:t>Virtual try-on (glasses, makeup)</a:t>
+            </a:r>
+            <a:endParaRPr sz="1600"/>
+          </a:p>
+          <a:p>
+            <a:pPr>
+              <a:buFont typeface="Arial" panose="020B0604020202020204"/>
+              <a:buChar char="•"/>
+            </a:pPr>
+            <a:r>
+              <a:rPr sz="1600"/>
+              <a:t>Emotion recognition</a:t>
+            </a:r>
+            <a:endParaRPr sz="1600"/>
+          </a:p>
+        </p:txBody>
+      </p:sp>
+      <p:sp>
+        <p:nvSpPr>
+          <p:cNvPr id="5" name="Text Box 4"/>
+          <p:cNvSpPr txBox="1"/>
+          <p:nvPr/>
+        </p:nvSpPr>
+        <p:spPr>
+          <a:xfrm>
+            <a:off x="5786755" y="-35560"/>
+            <a:ext cx="6096000" cy="6247130"/>
+          </a:xfrm>
+          <a:prstGeom prst="rect">
+            <a:avLst/>
+          </a:prstGeom>
+          <a:noFill/>
+        </p:spPr>
+        <p:txBody>
+          <a:bodyPr wrap="square" rtlCol="0" anchor="t">
+            <a:spAutoFit/>
+          </a:bodyPr>
+          <a:p>
+            <a:r>
+              <a:rPr lang="en-US" altLang="en-US" sz="1600"/>
+              <a:t>import cv2</a:t>
+            </a:r>
+            <a:endParaRPr lang="en-US" altLang="en-US" sz="1600"/>
+          </a:p>
+          <a:p>
+            <a:r>
+              <a:rPr lang="en-US" altLang="en-US" sz="1600"/>
+              <a:t>import mediapipe as mp</a:t>
+            </a:r>
+            <a:endParaRPr lang="en-US" altLang="en-US" sz="1600"/>
+          </a:p>
+          <a:p>
+            <a:endParaRPr lang="en-US" altLang="en-US" sz="1600"/>
+          </a:p>
+          <a:p>
+            <a:r>
+              <a:rPr lang="en-US" altLang="en-US" sz="1600"/>
+              <a:t>mp_face_mesh = mp.solutions.face_mesh</a:t>
+            </a:r>
+            <a:endParaRPr lang="en-US" altLang="en-US" sz="1600"/>
+          </a:p>
+          <a:p>
+            <a:r>
+              <a:rPr lang="en-US" altLang="en-US" sz="1600"/>
+              <a:t>face_mesh = mp_face_mesh.FaceMesh()</a:t>
+            </a:r>
+            <a:endParaRPr lang="en-US" altLang="en-US" sz="1600"/>
+          </a:p>
+          <a:p>
+            <a:endParaRPr lang="en-US" altLang="en-US" sz="1600"/>
+          </a:p>
+          <a:p>
+            <a:r>
+              <a:rPr lang="en-US" altLang="en-US" sz="1600"/>
+              <a:t>cap = cv2.VideoCapture(0)</a:t>
+            </a:r>
+            <a:endParaRPr lang="en-US" altLang="en-US" sz="1600"/>
+          </a:p>
+          <a:p>
+            <a:r>
+              <a:rPr lang="en-US" altLang="en-US" sz="1600"/>
+              <a:t>while cap.isOpened():</a:t>
+            </a:r>
+            <a:endParaRPr lang="en-US" altLang="en-US" sz="1600"/>
+          </a:p>
+          <a:p>
+            <a:r>
+              <a:rPr lang="en-US" altLang="en-US" sz="1600"/>
+              <a:t>    success, image = cap.read()</a:t>
+            </a:r>
+            <a:endParaRPr lang="en-US" altLang="en-US" sz="1600"/>
+          </a:p>
+          <a:p>
+            <a:r>
+              <a:rPr lang="en-US" altLang="en-US" sz="1600"/>
+              <a:t>    if not success:</a:t>
+            </a:r>
+            <a:endParaRPr lang="en-US" altLang="en-US" sz="1600"/>
+          </a:p>
+          <a:p>
+            <a:r>
+              <a:rPr lang="en-US" altLang="en-US" sz="1600"/>
+              <a:t>        break</a:t>
+            </a:r>
+            <a:endParaRPr lang="en-US" altLang="en-US" sz="1600"/>
+          </a:p>
+          <a:p>
+            <a:endParaRPr lang="en-US" altLang="en-US" sz="1600"/>
+          </a:p>
+          <a:p>
+            <a:r>
+              <a:rPr lang="en-US" altLang="en-US" sz="1600"/>
+              <a:t>    image_rgb = cv2.cvtColor(image, cv2.COLOR_BGR2RGB)</a:t>
+            </a:r>
+            <a:endParaRPr lang="en-US" altLang="en-US" sz="1600"/>
+          </a:p>
+          <a:p>
+            <a:r>
+              <a:rPr lang="en-US" altLang="en-US" sz="1600"/>
+              <a:t>    results = face_mesh.process(image_rgb)</a:t>
+            </a:r>
+            <a:endParaRPr lang="en-US" altLang="en-US" sz="1600"/>
+          </a:p>
+          <a:p>
+            <a:endParaRPr lang="en-US" altLang="en-US" sz="1600"/>
+          </a:p>
+          <a:p>
+            <a:r>
+              <a:rPr lang="en-US" altLang="en-US" sz="1600"/>
+              <a:t>    if results.multi_face_landmarks:</a:t>
+            </a:r>
+            <a:endParaRPr lang="en-US" altLang="en-US" sz="1600"/>
+          </a:p>
+          <a:p>
+            <a:r>
+              <a:rPr lang="en-US" altLang="en-US" sz="1600"/>
+              <a:t>        for landmarks in results.multi_face_landmarks:</a:t>
+            </a:r>
+            <a:endParaRPr lang="en-US" altLang="en-US" sz="1600"/>
+          </a:p>
+          <a:p>
+            <a:r>
+              <a:rPr lang="en-US" altLang="en-US" sz="1600"/>
+              <a:t>            mp.solutions.drawing_utils.draw_landmarks(</a:t>
+            </a:r>
+            <a:endParaRPr lang="en-US" altLang="en-US" sz="1600"/>
+          </a:p>
+          <a:p>
+            <a:r>
+              <a:rPr lang="en-US" altLang="en-US" sz="1600"/>
+              <a:t>                image, landmarks, mp_face_mesh.FACEMESH_TESSELATION)</a:t>
+            </a:r>
+            <a:endParaRPr lang="en-US" altLang="en-US" sz="1600"/>
+          </a:p>
+          <a:p>
+            <a:endParaRPr lang="en-US" altLang="en-US" sz="1600"/>
+          </a:p>
+          <a:p>
+            <a:r>
+              <a:rPr lang="en-US" altLang="en-US" sz="1600"/>
+              <a:t>    cv2.imshow('FaceMesh', image)</a:t>
+            </a:r>
+            <a:endParaRPr lang="en-US" altLang="en-US" sz="1600"/>
+          </a:p>
+          <a:p>
+            <a:r>
+              <a:rPr lang="en-US" altLang="en-US" sz="1600"/>
+              <a:t>    if cv2.waitKey(1) &amp; 0xFF == 27:</a:t>
+            </a:r>
+            <a:endParaRPr lang="en-US" altLang="en-US" sz="1600"/>
+          </a:p>
+          <a:p>
+            <a:r>
+              <a:rPr lang="en-US" altLang="en-US" sz="1600"/>
+              <a:t>        break</a:t>
+            </a:r>
+            <a:endParaRPr lang="en-US" altLang="en-US" sz="1600"/>
+          </a:p>
+          <a:p>
+            <a:r>
+              <a:rPr lang="en-US" altLang="en-US" sz="1600"/>
+              <a:t>cap.release()</a:t>
+            </a:r>
+            <a:endParaRPr lang="en-US" altLang="en-US" sz="1600"/>
+          </a:p>
+          <a:p>
+            <a:r>
+              <a:rPr lang="en-US" altLang="en-US" sz="1600"/>
+              <a:t>cv2.destroyAllWindows()</a:t>
+            </a:r>
+            <a:endParaRPr lang="en-US" altLang="en-US" sz="1600"/>
+          </a:p>
+        </p:txBody>
+      </p:sp>
+    </p:spTree>
+  </p:cSld>
+  <p:clrMapOvr>
+    <a:masterClrMapping/>
+  </p:clrMapOvr>
+</p:sld>
+</file>
+
+<file path=ppt/slides/slide19.xml><?xml version="1.0" encoding="utf-8"?>
+<p:sld xmlns:a="http://schemas.openxmlformats.org/drawingml/2006/main" xmlns:r="http://schemas.openxmlformats.org/officeDocument/2006/relationships" xmlns:p="http://schemas.openxmlformats.org/presentationml/2006/main">
+  <p:cSld>
+    <p:spTree>
+      <p:nvGrpSpPr>
+        <p:cNvPr id="1" name=""/>
+        <p:cNvGrpSpPr/>
+        <p:nvPr/>
+      </p:nvGrpSpPr>
+      <p:grpSpPr/>
+      <p:sp>
+        <p:nvSpPr>
+          <p:cNvPr id="2" name="Text Box 1"/>
+          <p:cNvSpPr txBox="1"/>
+          <p:nvPr/>
+        </p:nvSpPr>
+        <p:spPr>
+          <a:xfrm>
+            <a:off x="147955" y="-317"/>
+            <a:ext cx="5080000" cy="2668905"/>
+          </a:xfrm>
+          <a:prstGeom prst="rect">
+            <a:avLst/>
+          </a:prstGeom>
+        </p:spPr>
+        <p:txBody>
+          <a:bodyPr>
+            <a:spAutoFit/>
+          </a:bodyPr>
+          <a:p>
+            <a:pPr>
+              <a:spcAft>
+                <a:spcPct val="60000"/>
+              </a:spcAft>
+            </a:pPr>
+            <a:r>
+              <a:rPr sz="2300" b="1">
+                <a:solidFill>
+                  <a:srgbClr val="FF0000"/>
+                </a:solidFill>
+                <a:latin typeface="Arial Black" panose="020B0A04020102020204" charset="0"/>
+                <a:cs typeface="Arial Black" panose="020B0A04020102020204" charset="0"/>
+              </a:rPr>
+              <a:t>✋ 2. Hand Tracking with MediaPipe</a:t>
+            </a:r>
+            <a:endParaRPr sz="2300" b="1">
+              <a:solidFill>
+                <a:srgbClr val="FF0000"/>
+              </a:solidFill>
+              <a:latin typeface="Arial Black" panose="020B0A04020102020204" charset="0"/>
+              <a:cs typeface="Arial Black" panose="020B0A04020102020204" charset="0"/>
+            </a:endParaRPr>
+          </a:p>
+          <a:p>
+            <a:r>
+              <a:rPr sz="1600"/>
+              <a:t>Hand module detects 21 landmarks per hand.</a:t>
+            </a:r>
+            <a:endParaRPr sz="1600"/>
+          </a:p>
+          <a:p>
+            <a:pPr>
+              <a:spcAft>
+                <a:spcPct val="60000"/>
+              </a:spcAft>
+            </a:pPr>
+            <a:r>
+              <a:rPr sz="2200" b="1"/>
+              <a:t>✅ Applications:</a:t>
+            </a:r>
+            <a:endParaRPr sz="2200" b="1"/>
+          </a:p>
+          <a:p>
+            <a:pPr>
+              <a:buFont typeface="Arial" panose="020B0604020202020204"/>
+              <a:buChar char="•"/>
+            </a:pPr>
+            <a:r>
+              <a:rPr sz="1600"/>
+              <a:t>Sign language recognition</a:t>
+            </a:r>
+            <a:endParaRPr sz="1600"/>
+          </a:p>
+          <a:p>
+            <a:pPr>
+              <a:buFont typeface="Arial" panose="020B0604020202020204"/>
+              <a:buChar char="•"/>
+            </a:pPr>
+            <a:r>
+              <a:rPr sz="1600"/>
+              <a:t>Virtual painting</a:t>
+            </a:r>
+            <a:endParaRPr sz="1600"/>
+          </a:p>
+          <a:p>
+            <a:pPr>
+              <a:buFont typeface="Arial" panose="020B0604020202020204"/>
+              <a:buChar char="•"/>
+            </a:pPr>
+            <a:r>
+              <a:rPr sz="1600"/>
+              <a:t>Hand gesture control</a:t>
+            </a:r>
+            <a:endParaRPr sz="1600"/>
+          </a:p>
+        </p:txBody>
+      </p:sp>
+      <p:sp>
+        <p:nvSpPr>
+          <p:cNvPr id="3" name="Text Box 2"/>
+          <p:cNvSpPr txBox="1"/>
+          <p:nvPr/>
+        </p:nvSpPr>
+        <p:spPr>
+          <a:xfrm>
+            <a:off x="5483860" y="192405"/>
+            <a:ext cx="6096000" cy="6462395"/>
+          </a:xfrm>
+          <a:prstGeom prst="rect">
+            <a:avLst/>
+          </a:prstGeom>
+          <a:noFill/>
+        </p:spPr>
+        <p:txBody>
+          <a:bodyPr wrap="square" rtlCol="0" anchor="t">
+            <a:spAutoFit/>
+          </a:bodyPr>
+          <a:p>
+            <a:r>
+              <a:rPr lang="en-US" altLang="en-US"/>
+              <a:t>import cv2</a:t>
+            </a:r>
+            <a:endParaRPr lang="en-US" altLang="en-US"/>
+          </a:p>
+          <a:p>
+            <a:r>
+              <a:rPr lang="en-US" altLang="en-US"/>
+              <a:t>import mediapipe as mp</a:t>
+            </a:r>
+            <a:endParaRPr lang="en-US" altLang="en-US"/>
+          </a:p>
+          <a:p>
+            <a:r>
+              <a:rPr lang="en-US" altLang="en-US"/>
+              <a:t>mp_hands = mp.solutions.hands</a:t>
+            </a:r>
+            <a:endParaRPr lang="en-US" altLang="en-US"/>
+          </a:p>
+          <a:p>
+            <a:r>
+              <a:rPr lang="en-US" altLang="en-US"/>
+              <a:t>hands = mp_hands.Hands()</a:t>
+            </a:r>
+            <a:endParaRPr lang="en-US" altLang="en-US"/>
+          </a:p>
+          <a:p>
+            <a:endParaRPr lang="en-US" altLang="en-US"/>
+          </a:p>
+          <a:p>
+            <a:r>
+              <a:rPr lang="en-US" altLang="en-US"/>
+              <a:t>cap = cv2.VideoCapture(0)</a:t>
+            </a:r>
+            <a:endParaRPr lang="en-US" altLang="en-US"/>
+          </a:p>
+          <a:p>
+            <a:r>
+              <a:rPr lang="en-US" altLang="en-US"/>
+              <a:t>while cap.isOpened():</a:t>
+            </a:r>
+            <a:endParaRPr lang="en-US" altLang="en-US"/>
+          </a:p>
+          <a:p>
+            <a:r>
+              <a:rPr lang="en-US" altLang="en-US"/>
+              <a:t>    success, image = cap.read()</a:t>
+            </a:r>
+            <a:endParaRPr lang="en-US" altLang="en-US"/>
+          </a:p>
+          <a:p>
+            <a:r>
+              <a:rPr lang="en-US" altLang="en-US"/>
+              <a:t>    image_rgb = cv2.cvtColor(image, cv2.COLOR_BGR2RGB)</a:t>
+            </a:r>
+            <a:endParaRPr lang="en-US" altLang="en-US"/>
+          </a:p>
+          <a:p>
+            <a:r>
+              <a:rPr lang="en-US" altLang="en-US"/>
+              <a:t>    result = hands.process(image_rgb)</a:t>
+            </a:r>
+            <a:endParaRPr lang="en-US" altLang="en-US"/>
+          </a:p>
+          <a:p>
+            <a:endParaRPr lang="en-US" altLang="en-US"/>
+          </a:p>
+          <a:p>
+            <a:r>
+              <a:rPr lang="en-US" altLang="en-US"/>
+              <a:t>    if result.multi_hand_landmarks:</a:t>
+            </a:r>
+            <a:endParaRPr lang="en-US" altLang="en-US"/>
+          </a:p>
+          <a:p>
+            <a:r>
+              <a:rPr lang="en-US" altLang="en-US"/>
+              <a:t>        for hand_landmarks in result.multi_hand_landmarks:</a:t>
+            </a:r>
+            <a:endParaRPr lang="en-US" altLang="en-US"/>
+          </a:p>
+          <a:p>
+            <a:r>
+              <a:rPr lang="en-US" altLang="en-US"/>
+              <a:t>            mp.solutions.drawing_utils.draw_landmarks(</a:t>
+            </a:r>
+            <a:endParaRPr lang="en-US" altLang="en-US"/>
+          </a:p>
+          <a:p>
+            <a:r>
+              <a:rPr lang="en-US" altLang="en-US"/>
+              <a:t>                image, hand_landmarks, mp_hands.HAND_CONNECTIONS)</a:t>
+            </a:r>
+            <a:endParaRPr lang="en-US" altLang="en-US"/>
+          </a:p>
+          <a:p>
+            <a:endParaRPr lang="en-US" altLang="en-US"/>
+          </a:p>
+          <a:p>
+            <a:r>
+              <a:rPr lang="en-US" altLang="en-US"/>
+              <a:t>    cv2.imshow('Hand Tracking', image)</a:t>
+            </a:r>
+            <a:endParaRPr lang="en-US" altLang="en-US"/>
+          </a:p>
+          <a:p>
+            <a:r>
+              <a:rPr lang="en-US" altLang="en-US"/>
+              <a:t>    if cv2.waitKey(1) &amp; 0xFF == 27:</a:t>
+            </a:r>
+            <a:endParaRPr lang="en-US" altLang="en-US"/>
+          </a:p>
+          <a:p>
+            <a:r>
+              <a:rPr lang="en-US" altLang="en-US"/>
+              <a:t>        break</a:t>
+            </a:r>
+            <a:endParaRPr lang="en-US" altLang="en-US"/>
+          </a:p>
+          <a:p>
+            <a:r>
+              <a:rPr lang="en-US" altLang="en-US"/>
+              <a:t>cap.release()</a:t>
+            </a:r>
+            <a:endParaRPr lang="en-US" altLang="en-US"/>
+          </a:p>
+          <a:p>
+            <a:r>
+              <a:rPr lang="en-US" altLang="en-US"/>
+              <a:t>cv2.destroyAllWindows()</a:t>
+            </a:r>
+            <a:endParaRPr lang="en-US" altLang="en-US"/>
+          </a:p>
+          <a:p>
+            <a:endParaRPr lang="en-US"/>
           </a:p>
         </p:txBody>
       </p:sp>
@@ -4640,6 +6991,1119 @@
 </file>
 
 <file path=ppt/slides/slide2.xml><?xml version="1.0" encoding="utf-8"?>
+<p:sld xmlns:a="http://schemas.openxmlformats.org/drawingml/2006/main" xmlns:r="http://schemas.openxmlformats.org/officeDocument/2006/relationships" xmlns:p="http://schemas.openxmlformats.org/presentationml/2006/main">
+  <p:cSld>
+    <p:spTree>
+      <p:nvGrpSpPr>
+        <p:cNvPr id="1" name=""/>
+        <p:cNvGrpSpPr/>
+        <p:nvPr/>
+      </p:nvGrpSpPr>
+      <p:grpSpPr/>
+      <p:sp>
+        <p:nvSpPr>
+          <p:cNvPr id="3" name="Text Box 2"/>
+          <p:cNvSpPr txBox="1"/>
+          <p:nvPr/>
+        </p:nvSpPr>
+        <p:spPr>
+          <a:xfrm>
+            <a:off x="1109345" y="326390"/>
+            <a:ext cx="5080000" cy="1460500"/>
+          </a:xfrm>
+          <a:prstGeom prst="rect">
+            <a:avLst/>
+          </a:prstGeom>
+        </p:spPr>
+        <p:txBody>
+          <a:bodyPr>
+            <a:spAutoFit/>
+          </a:bodyPr>
+          <a:p>
+            <a:pPr marL="0" indent="0">
+              <a:spcBef>
+                <a:spcPts val="1000"/>
+              </a:spcBef>
+              <a:spcAft>
+                <a:spcPts val="500"/>
+              </a:spcAft>
+            </a:pPr>
+            <a:r>
+              <a:rPr lang="en-US" altLang="en-US" sz="2000" b="0" i="0">
+                <a:solidFill>
+                  <a:srgbClr val="333333"/>
+                </a:solidFill>
+                <a:latin typeface="Tomorrow"/>
+                <a:ea typeface="Tomorrow"/>
+              </a:rPr>
+              <a:t>Image Classification - FACE RECOGNITION PROJECT  </a:t>
+            </a:r>
+            <a:endParaRPr lang="en-US" altLang="en-US" sz="2000" b="0" i="0">
+              <a:solidFill>
+                <a:srgbClr val="333333"/>
+              </a:solidFill>
+              <a:latin typeface="Tomorrow"/>
+              <a:ea typeface="Tomorrow"/>
+            </a:endParaRPr>
+          </a:p>
+          <a:p>
+            <a:pPr marL="0" indent="0">
+              <a:spcBef>
+                <a:spcPts val="1000"/>
+              </a:spcBef>
+              <a:spcAft>
+                <a:spcPts val="500"/>
+              </a:spcAft>
+            </a:pPr>
+            <a:r>
+              <a:rPr lang="en-US" altLang="en-US" sz="1200" b="0" i="0">
+                <a:solidFill>
+                  <a:srgbClr val="333333"/>
+                </a:solidFill>
+                <a:latin typeface="Tomorrow"/>
+                <a:ea typeface="Tomorrow"/>
+              </a:rPr>
+              <a:t>Haar Cascade Clasifier</a:t>
+            </a:r>
+            <a:endParaRPr lang="en-US" altLang="en-US" sz="1200" b="0" i="0">
+              <a:solidFill>
+                <a:srgbClr val="333333"/>
+              </a:solidFill>
+              <a:latin typeface="Tomorrow"/>
+              <a:ea typeface="Tomorrow"/>
+            </a:endParaRPr>
+          </a:p>
+          <a:p>
+            <a:pPr marL="0" indent="0">
+              <a:spcBef>
+                <a:spcPts val="1000"/>
+              </a:spcBef>
+              <a:spcAft>
+                <a:spcPts val="500"/>
+              </a:spcAft>
+            </a:pPr>
+            <a:r>
+              <a:rPr lang="en-US" altLang="en-US" sz="1200" b="0" i="0">
+                <a:solidFill>
+                  <a:srgbClr val="333333"/>
+                </a:solidFill>
+                <a:latin typeface="Tomorrow"/>
+                <a:ea typeface="Tomorrow"/>
+              </a:rPr>
+              <a:t>Image Classification with CNN</a:t>
+            </a:r>
+            <a:endParaRPr lang="en-US" altLang="en-US" sz="1600" b="0" i="0">
+              <a:solidFill>
+                <a:srgbClr val="333333"/>
+              </a:solidFill>
+              <a:latin typeface="Tomorrow"/>
+              <a:ea typeface="Tomorrow"/>
+            </a:endParaRPr>
+          </a:p>
+        </p:txBody>
+      </p:sp>
+    </p:spTree>
+  </p:cSld>
+  <p:clrMapOvr>
+    <a:masterClrMapping/>
+  </p:clrMapOvr>
+</p:sld>
+</file>
+
+<file path=ppt/slides/slide20.xml><?xml version="1.0" encoding="utf-8"?>
+<p:sld xmlns:a="http://schemas.openxmlformats.org/drawingml/2006/main" xmlns:r="http://schemas.openxmlformats.org/officeDocument/2006/relationships" xmlns:p="http://schemas.openxmlformats.org/presentationml/2006/main">
+  <p:cSld>
+    <p:spTree>
+      <p:nvGrpSpPr>
+        <p:cNvPr id="1" name=""/>
+        <p:cNvGrpSpPr/>
+        <p:nvPr/>
+      </p:nvGrpSpPr>
+      <p:grpSpPr/>
+      <p:sp>
+        <p:nvSpPr>
+          <p:cNvPr id="2" name="Text Box 1"/>
+          <p:cNvSpPr txBox="1"/>
+          <p:nvPr/>
+        </p:nvSpPr>
+        <p:spPr>
+          <a:xfrm>
+            <a:off x="0" y="123507"/>
+            <a:ext cx="5080000" cy="2547620"/>
+          </a:xfrm>
+          <a:prstGeom prst="rect">
+            <a:avLst/>
+          </a:prstGeom>
+        </p:spPr>
+        <p:txBody>
+          <a:bodyPr>
+            <a:spAutoFit/>
+          </a:bodyPr>
+          <a:p>
+            <a:pPr>
+              <a:spcAft>
+                <a:spcPct val="60000"/>
+              </a:spcAft>
+            </a:pPr>
+            <a:r>
+              <a:rPr sz="2400" b="1">
+                <a:solidFill>
+                  <a:srgbClr val="FF0000"/>
+                </a:solidFill>
+                <a:effectLst>
+                  <a:outerShdw blurRad="38100" dist="38100" dir="2700000" algn="tl">
+                    <a:srgbClr val="000000">
+                      <a:alpha val="43137"/>
+                    </a:srgbClr>
+                  </a:outerShdw>
+                </a:effectLst>
+              </a:rPr>
+              <a:t>🧍 3. Pose Detection with MediaPipe</a:t>
+            </a:r>
+            <a:endParaRPr sz="2400" b="1">
+              <a:solidFill>
+                <a:srgbClr val="FF0000"/>
+              </a:solidFill>
+              <a:effectLst>
+                <a:outerShdw blurRad="38100" dist="38100" dir="2700000" algn="tl">
+                  <a:srgbClr val="000000">
+                    <a:alpha val="43137"/>
+                  </a:srgbClr>
+                </a:outerShdw>
+              </a:effectLst>
+            </a:endParaRPr>
+          </a:p>
+          <a:p>
+            <a:r>
+              <a:rPr sz="1600"/>
+              <a:t>The Pose model detects 33 key points of the full human body in real time.</a:t>
+            </a:r>
+            <a:endParaRPr sz="1600"/>
+          </a:p>
+          <a:p>
+            <a:pPr>
+              <a:spcAft>
+                <a:spcPct val="60000"/>
+              </a:spcAft>
+            </a:pPr>
+            <a:r>
+              <a:rPr sz="2200" b="1"/>
+              <a:t>✅ Applications:</a:t>
+            </a:r>
+            <a:endParaRPr sz="2200" b="1"/>
+          </a:p>
+          <a:p>
+            <a:pPr>
+              <a:buFont typeface="Arial" panose="020B0604020202020204"/>
+              <a:buChar char="•"/>
+            </a:pPr>
+            <a:r>
+              <a:rPr sz="1600"/>
+              <a:t>Yoga posture correction</a:t>
+            </a:r>
+            <a:endParaRPr sz="1600"/>
+          </a:p>
+          <a:p>
+            <a:pPr>
+              <a:buFont typeface="Arial" panose="020B0604020202020204"/>
+              <a:buChar char="•"/>
+            </a:pPr>
+            <a:r>
+              <a:rPr sz="1600"/>
+              <a:t>Fitness apps</a:t>
+            </a:r>
+            <a:endParaRPr sz="1600"/>
+          </a:p>
+          <a:p>
+            <a:pPr>
+              <a:buFont typeface="Arial" panose="020B0604020202020204"/>
+              <a:buChar char="•"/>
+            </a:pPr>
+            <a:r>
+              <a:rPr sz="1600"/>
+              <a:t>Dance motion tracking</a:t>
+            </a:r>
+            <a:endParaRPr sz="1600"/>
+          </a:p>
+        </p:txBody>
+      </p:sp>
+      <p:sp>
+        <p:nvSpPr>
+          <p:cNvPr id="3" name="Text Box 2"/>
+          <p:cNvSpPr txBox="1"/>
+          <p:nvPr/>
+        </p:nvSpPr>
+        <p:spPr>
+          <a:xfrm>
+            <a:off x="5755640" y="123190"/>
+            <a:ext cx="6096000" cy="6462395"/>
+          </a:xfrm>
+          <a:prstGeom prst="rect">
+            <a:avLst/>
+          </a:prstGeom>
+          <a:noFill/>
+        </p:spPr>
+        <p:txBody>
+          <a:bodyPr wrap="square" rtlCol="0" anchor="t">
+            <a:spAutoFit/>
+          </a:bodyPr>
+          <a:p>
+            <a:r>
+              <a:rPr lang="en-US" altLang="en-US">
+                <a:sym typeface="+mn-ea"/>
+              </a:rPr>
+              <a:t>import cv2</a:t>
+            </a:r>
+            <a:endParaRPr lang="en-US" altLang="en-US"/>
+          </a:p>
+          <a:p>
+            <a:r>
+              <a:rPr lang="en-US" altLang="en-US">
+                <a:sym typeface="+mn-ea"/>
+              </a:rPr>
+              <a:t>import mediapipe as mp</a:t>
+            </a:r>
+            <a:endParaRPr lang="en-US" altLang="en-US"/>
+          </a:p>
+          <a:p>
+            <a:endParaRPr lang="en-US" altLang="en-US"/>
+          </a:p>
+          <a:p>
+            <a:r>
+              <a:rPr lang="en-US" altLang="en-US"/>
+              <a:t>mp_pose = mp.solutions.pose</a:t>
+            </a:r>
+            <a:endParaRPr lang="en-US" altLang="en-US"/>
+          </a:p>
+          <a:p>
+            <a:r>
+              <a:rPr lang="en-US" altLang="en-US"/>
+              <a:t>pose = mp_pose.Pose()</a:t>
+            </a:r>
+            <a:endParaRPr lang="en-US" altLang="en-US"/>
+          </a:p>
+          <a:p>
+            <a:endParaRPr lang="en-US" altLang="en-US"/>
+          </a:p>
+          <a:p>
+            <a:r>
+              <a:rPr lang="en-US" altLang="en-US"/>
+              <a:t>cap = cv2.VideoCapture(0)</a:t>
+            </a:r>
+            <a:endParaRPr lang="en-US" altLang="en-US"/>
+          </a:p>
+          <a:p>
+            <a:r>
+              <a:rPr lang="en-US" altLang="en-US"/>
+              <a:t>while cap.isOpened():</a:t>
+            </a:r>
+            <a:endParaRPr lang="en-US" altLang="en-US"/>
+          </a:p>
+          <a:p>
+            <a:r>
+              <a:rPr lang="en-US" altLang="en-US"/>
+              <a:t>    success, image = cap.read()</a:t>
+            </a:r>
+            <a:endParaRPr lang="en-US" altLang="en-US"/>
+          </a:p>
+          <a:p>
+            <a:r>
+              <a:rPr lang="en-US" altLang="en-US"/>
+              <a:t>    image_rgb = cv2.cvtColor(image, cv2.COLOR_BGR2RGB)</a:t>
+            </a:r>
+            <a:endParaRPr lang="en-US" altLang="en-US"/>
+          </a:p>
+          <a:p>
+            <a:r>
+              <a:rPr lang="en-US" altLang="en-US"/>
+              <a:t>    result = pose.process(image_rgb)</a:t>
+            </a:r>
+            <a:endParaRPr lang="en-US" altLang="en-US"/>
+          </a:p>
+          <a:p>
+            <a:endParaRPr lang="en-US" altLang="en-US"/>
+          </a:p>
+          <a:p>
+            <a:r>
+              <a:rPr lang="en-US" altLang="en-US"/>
+              <a:t>    if result.pose_landmarks:</a:t>
+            </a:r>
+            <a:endParaRPr lang="en-US" altLang="en-US"/>
+          </a:p>
+          <a:p>
+            <a:r>
+              <a:rPr lang="en-US" altLang="en-US"/>
+              <a:t>        mp.solutions.drawing_utils.draw_landmarks(</a:t>
+            </a:r>
+            <a:endParaRPr lang="en-US" altLang="en-US"/>
+          </a:p>
+          <a:p>
+            <a:r>
+              <a:rPr lang="en-US" altLang="en-US"/>
+              <a:t>            image, result.pose_landmarks, mp_pose.POSE_CONNECTIONS)</a:t>
+            </a:r>
+            <a:endParaRPr lang="en-US" altLang="en-US"/>
+          </a:p>
+          <a:p>
+            <a:endParaRPr lang="en-US" altLang="en-US"/>
+          </a:p>
+          <a:p>
+            <a:r>
+              <a:rPr lang="en-US" altLang="en-US"/>
+              <a:t>    cv2.imshow('Pose Detection', image)</a:t>
+            </a:r>
+            <a:endParaRPr lang="en-US" altLang="en-US"/>
+          </a:p>
+          <a:p>
+            <a:r>
+              <a:rPr lang="en-US" altLang="en-US"/>
+              <a:t>    if cv2.waitKey(1) &amp; 0xFF == 27:</a:t>
+            </a:r>
+            <a:endParaRPr lang="en-US" altLang="en-US"/>
+          </a:p>
+          <a:p>
+            <a:r>
+              <a:rPr lang="en-US" altLang="en-US"/>
+              <a:t>        break</a:t>
+            </a:r>
+            <a:endParaRPr lang="en-US" altLang="en-US"/>
+          </a:p>
+          <a:p>
+            <a:r>
+              <a:rPr lang="en-US" altLang="en-US"/>
+              <a:t>cap.release()</a:t>
+            </a:r>
+            <a:endParaRPr lang="en-US" altLang="en-US"/>
+          </a:p>
+          <a:p>
+            <a:r>
+              <a:rPr lang="en-US" altLang="en-US"/>
+              <a:t>cv2.destroyAllWindows()</a:t>
+            </a:r>
+            <a:endParaRPr lang="en-US" altLang="en-US"/>
+          </a:p>
+          <a:p>
+            <a:endParaRPr lang="en-US"/>
+          </a:p>
+        </p:txBody>
+      </p:sp>
+    </p:spTree>
+  </p:cSld>
+  <p:clrMapOvr>
+    <a:masterClrMapping/>
+  </p:clrMapOvr>
+</p:sld>
+</file>
+
+<file path=ppt/slides/slide21.xml><?xml version="1.0" encoding="utf-8"?>
+<p:sld xmlns:a="http://schemas.openxmlformats.org/drawingml/2006/main" xmlns:r="http://schemas.openxmlformats.org/officeDocument/2006/relationships" xmlns:p="http://schemas.openxmlformats.org/presentationml/2006/main">
+  <p:cSld>
+    <p:spTree>
+      <p:nvGrpSpPr>
+        <p:cNvPr id="1" name=""/>
+        <p:cNvGrpSpPr/>
+        <p:nvPr/>
+      </p:nvGrpSpPr>
+      <p:grpSpPr/>
+      <p:sp>
+        <p:nvSpPr>
+          <p:cNvPr id="2" name="Text Box 1"/>
+          <p:cNvSpPr txBox="1"/>
+          <p:nvPr/>
+        </p:nvSpPr>
+        <p:spPr>
+          <a:xfrm>
+            <a:off x="0" y="0"/>
+            <a:ext cx="5080000" cy="3013710"/>
+          </a:xfrm>
+          <a:prstGeom prst="rect">
+            <a:avLst/>
+          </a:prstGeom>
+        </p:spPr>
+        <p:txBody>
+          <a:bodyPr>
+            <a:spAutoFit/>
+          </a:bodyPr>
+          <a:p>
+            <a:pPr>
+              <a:spcAft>
+                <a:spcPct val="60000"/>
+              </a:spcAft>
+            </a:pPr>
+            <a:r>
+              <a:rPr sz="2300" b="1">
+                <a:solidFill>
+                  <a:srgbClr val="FF0000"/>
+                </a:solidFill>
+                <a:effectLst>
+                  <a:outerShdw blurRad="38100" dist="38100" dir="2700000" algn="tl">
+                    <a:srgbClr val="000000">
+                      <a:alpha val="43137"/>
+                    </a:srgbClr>
+                  </a:outerShdw>
+                </a:effectLst>
+              </a:rPr>
+              <a:t>🤖 4. Holistic Model</a:t>
+            </a:r>
+            <a:endParaRPr sz="2300" b="1">
+              <a:solidFill>
+                <a:srgbClr val="FF0000"/>
+              </a:solidFill>
+              <a:effectLst>
+                <a:outerShdw blurRad="38100" dist="38100" dir="2700000" algn="tl">
+                  <a:srgbClr val="000000">
+                    <a:alpha val="43137"/>
+                  </a:srgbClr>
+                </a:outerShdw>
+              </a:effectLst>
+            </a:endParaRPr>
+          </a:p>
+          <a:p>
+            <a:r>
+              <a:rPr sz="1600"/>
+              <a:t>The Holistic model combines:</a:t>
+            </a:r>
+            <a:endParaRPr sz="1600"/>
+          </a:p>
+          <a:p>
+            <a:pPr>
+              <a:buFont typeface="Arial" panose="020B0604020202020204"/>
+              <a:buChar char="•"/>
+            </a:pPr>
+            <a:r>
+              <a:rPr sz="1600"/>
+              <a:t>FaceMesh</a:t>
+            </a:r>
+            <a:endParaRPr sz="1600"/>
+          </a:p>
+          <a:p>
+            <a:pPr>
+              <a:buFont typeface="Arial" panose="020B0604020202020204"/>
+              <a:buChar char="•"/>
+            </a:pPr>
+            <a:r>
+              <a:rPr sz="1600"/>
+              <a:t>Hand Tracking</a:t>
+            </a:r>
+            <a:endParaRPr sz="1600"/>
+          </a:p>
+          <a:p>
+            <a:pPr>
+              <a:buFont typeface="Arial" panose="020B0604020202020204"/>
+              <a:buChar char="•"/>
+            </a:pPr>
+            <a:r>
+              <a:rPr sz="1600"/>
+              <a:t>Full-body Pose estimation</a:t>
+            </a:r>
+            <a:endParaRPr sz="1600"/>
+          </a:p>
+          <a:p>
+            <a:pPr>
+              <a:spcAft>
+                <a:spcPct val="60000"/>
+              </a:spcAft>
+            </a:pPr>
+            <a:r>
+              <a:rPr sz="2200" b="1"/>
+              <a:t>✅ Applications:</a:t>
+            </a:r>
+            <a:endParaRPr sz="2200" b="1"/>
+          </a:p>
+          <a:p>
+            <a:pPr>
+              <a:buFont typeface="Arial" panose="020B0604020202020204"/>
+              <a:buChar char="•"/>
+            </a:pPr>
+            <a:r>
+              <a:rPr sz="1600"/>
+              <a:t>Full-body AR filters</a:t>
+            </a:r>
+            <a:endParaRPr sz="1600"/>
+          </a:p>
+          <a:p>
+            <a:pPr>
+              <a:buFont typeface="Arial" panose="020B0604020202020204"/>
+              <a:buChar char="•"/>
+            </a:pPr>
+            <a:r>
+              <a:rPr sz="1600"/>
+              <a:t>Motion tracking for animations</a:t>
+            </a:r>
+            <a:endParaRPr sz="1600"/>
+          </a:p>
+          <a:p>
+            <a:pPr>
+              <a:buFont typeface="Arial" panose="020B0604020202020204"/>
+              <a:buChar char="•"/>
+            </a:pPr>
+            <a:r>
+              <a:rPr sz="1600"/>
+              <a:t>Multi-modal human-computer interaction</a:t>
+            </a:r>
+            <a:endParaRPr sz="1600"/>
+          </a:p>
+        </p:txBody>
+      </p:sp>
+      <p:sp>
+        <p:nvSpPr>
+          <p:cNvPr id="3" name="Text Box 2"/>
+          <p:cNvSpPr txBox="1"/>
+          <p:nvPr/>
+        </p:nvSpPr>
+        <p:spPr>
+          <a:xfrm>
+            <a:off x="4005580" y="0"/>
+            <a:ext cx="8186420" cy="6892925"/>
+          </a:xfrm>
+          <a:prstGeom prst="rect">
+            <a:avLst/>
+          </a:prstGeom>
+          <a:noFill/>
+        </p:spPr>
+        <p:txBody>
+          <a:bodyPr wrap="square" rtlCol="0" anchor="t">
+            <a:spAutoFit/>
+          </a:bodyPr>
+          <a:p>
+            <a:r>
+              <a:rPr lang="en-US" altLang="en-US" sz="1700">
+                <a:sym typeface="+mn-ea"/>
+              </a:rPr>
+              <a:t>import cv2</a:t>
+            </a:r>
+            <a:endParaRPr lang="en-US" altLang="en-US" sz="1700"/>
+          </a:p>
+          <a:p>
+            <a:r>
+              <a:rPr lang="en-US" altLang="en-US" sz="1700">
+                <a:sym typeface="+mn-ea"/>
+              </a:rPr>
+              <a:t>import mediapipe as mp</a:t>
+            </a:r>
+            <a:endParaRPr lang="en-US" altLang="en-US" sz="1700"/>
+          </a:p>
+          <a:p>
+            <a:r>
+              <a:rPr lang="en-US" altLang="en-US" sz="1700"/>
+              <a:t>mp_holistic = mp.solutions.holistic</a:t>
+            </a:r>
+            <a:endParaRPr lang="en-US" altLang="en-US" sz="1700"/>
+          </a:p>
+          <a:p>
+            <a:r>
+              <a:rPr lang="en-US" altLang="en-US" sz="1700"/>
+              <a:t>holistic = mp_holistic.Holistic()</a:t>
+            </a:r>
+            <a:endParaRPr lang="en-US" altLang="en-US" sz="1700"/>
+          </a:p>
+          <a:p>
+            <a:endParaRPr lang="en-US" altLang="en-US" sz="1700"/>
+          </a:p>
+          <a:p>
+            <a:r>
+              <a:rPr lang="en-US" altLang="en-US" sz="1700"/>
+              <a:t>cap = cv2.VideoCapture(0)</a:t>
+            </a:r>
+            <a:endParaRPr lang="en-US" altLang="en-US" sz="1700"/>
+          </a:p>
+          <a:p>
+            <a:r>
+              <a:rPr lang="en-US" altLang="en-US" sz="1700"/>
+              <a:t>while cap.isOpened():</a:t>
+            </a:r>
+            <a:endParaRPr lang="en-US" altLang="en-US" sz="1700"/>
+          </a:p>
+          <a:p>
+            <a:r>
+              <a:rPr lang="en-US" altLang="en-US" sz="1700"/>
+              <a:t>    success, image = cap.read()</a:t>
+            </a:r>
+            <a:endParaRPr lang="en-US" altLang="en-US" sz="1700"/>
+          </a:p>
+          <a:p>
+            <a:r>
+              <a:rPr lang="en-US" altLang="en-US" sz="1700"/>
+              <a:t>    image_rgb = cv2.cvtColor(image, cv2.COLOR_BGR2RGB)</a:t>
+            </a:r>
+            <a:endParaRPr lang="en-US" altLang="en-US" sz="1700"/>
+          </a:p>
+          <a:p>
+            <a:r>
+              <a:rPr lang="en-US" altLang="en-US" sz="1700"/>
+              <a:t>    result = holistic.process(image_rgb)</a:t>
+            </a:r>
+            <a:endParaRPr lang="en-US" altLang="en-US" sz="1700"/>
+          </a:p>
+          <a:p>
+            <a:endParaRPr lang="en-US" altLang="en-US" sz="1700"/>
+          </a:p>
+          <a:p>
+            <a:r>
+              <a:rPr lang="en-US" altLang="en-US" sz="1700"/>
+              <a:t>    # Draw all components</a:t>
+            </a:r>
+            <a:endParaRPr lang="en-US" altLang="en-US" sz="1700"/>
+          </a:p>
+          <a:p>
+            <a:r>
+              <a:rPr lang="en-US" altLang="en-US" sz="1700"/>
+              <a:t>    mp.solutions.drawing_utils.draw_landmarks(image, result.face_landmarks, mp_holistic.FACEMESH_TESSELATION)</a:t>
+            </a:r>
+            <a:endParaRPr lang="en-US" altLang="en-US" sz="1700"/>
+          </a:p>
+          <a:p>
+            <a:r>
+              <a:rPr lang="en-US" altLang="en-US" sz="1700"/>
+              <a:t>    mp.solutions.drawing_utils.draw_landmarks(image, result.right_hand_landmarks, mp_holistic.HAND_CONNECTIONS)</a:t>
+            </a:r>
+            <a:endParaRPr lang="en-US" altLang="en-US" sz="1700"/>
+          </a:p>
+          <a:p>
+            <a:r>
+              <a:rPr lang="en-US" altLang="en-US" sz="1700"/>
+              <a:t>    mp.solutions.drawing_utils.draw_landmarks(image, result.left_hand_landmarks, mp_holistic.HAND_CONNECTIONS)</a:t>
+            </a:r>
+            <a:endParaRPr lang="en-US" altLang="en-US" sz="1700"/>
+          </a:p>
+          <a:p>
+            <a:r>
+              <a:rPr lang="en-US" altLang="en-US" sz="1700"/>
+              <a:t>    mp.solutions.drawing_utils.draw_landmarks(image, result.pose_landmarks, mp_holistic.POSE_CONNECTIONS)</a:t>
+            </a:r>
+            <a:endParaRPr lang="en-US" altLang="en-US" sz="1700"/>
+          </a:p>
+          <a:p>
+            <a:endParaRPr lang="en-US" altLang="en-US" sz="1700"/>
+          </a:p>
+          <a:p>
+            <a:r>
+              <a:rPr lang="en-US" altLang="en-US" sz="1700"/>
+              <a:t>    cv2.imshow('Holistic Model', image)</a:t>
+            </a:r>
+            <a:endParaRPr lang="en-US" altLang="en-US" sz="1700"/>
+          </a:p>
+          <a:p>
+            <a:r>
+              <a:rPr lang="en-US" altLang="en-US" sz="1700"/>
+              <a:t>    if cv2.waitKey(1) &amp; 0xFF == 27:</a:t>
+            </a:r>
+            <a:endParaRPr lang="en-US" altLang="en-US" sz="1700"/>
+          </a:p>
+          <a:p>
+            <a:r>
+              <a:rPr lang="en-US" altLang="en-US" sz="1700"/>
+              <a:t>        break</a:t>
+            </a:r>
+            <a:endParaRPr lang="en-US" altLang="en-US" sz="1700"/>
+          </a:p>
+          <a:p>
+            <a:r>
+              <a:rPr lang="en-US" altLang="en-US" sz="1700"/>
+              <a:t>cap.release()</a:t>
+            </a:r>
+            <a:endParaRPr lang="en-US" altLang="en-US" sz="1700"/>
+          </a:p>
+          <a:p>
+            <a:r>
+              <a:rPr lang="en-US" altLang="en-US" sz="1700"/>
+              <a:t>cv2.destroyAllWindows()</a:t>
+            </a:r>
+            <a:endParaRPr lang="en-US" sz="1700"/>
+          </a:p>
+        </p:txBody>
+      </p:sp>
+    </p:spTree>
+  </p:cSld>
+  <p:clrMapOvr>
+    <a:masterClrMapping/>
+  </p:clrMapOvr>
+</p:sld>
+</file>
+
+<file path=ppt/slides/slide22.xml><?xml version="1.0" encoding="utf-8"?>
+<p:sld xmlns:a="http://schemas.openxmlformats.org/drawingml/2006/main" xmlns:r="http://schemas.openxmlformats.org/officeDocument/2006/relationships" xmlns:p="http://schemas.openxmlformats.org/presentationml/2006/main">
+  <p:cSld>
+    <p:spTree>
+      <p:nvGrpSpPr>
+        <p:cNvPr id="1" name=""/>
+        <p:cNvGrpSpPr/>
+        <p:nvPr/>
+      </p:nvGrpSpPr>
+      <p:grpSpPr/>
+      <p:sp>
+        <p:nvSpPr>
+          <p:cNvPr id="2" name="Text Box 1"/>
+          <p:cNvSpPr txBox="1"/>
+          <p:nvPr/>
+        </p:nvSpPr>
+        <p:spPr>
+          <a:xfrm>
+            <a:off x="1235075" y="852488"/>
+            <a:ext cx="5080000" cy="4337050"/>
+          </a:xfrm>
+          <a:prstGeom prst="rect">
+            <a:avLst/>
+          </a:prstGeom>
+        </p:spPr>
+        <p:txBody>
+          <a:bodyPr>
+            <a:spAutoFit/>
+          </a:bodyPr>
+          <a:p>
+            <a:pPr>
+              <a:spcAft>
+                <a:spcPct val="60000"/>
+              </a:spcAft>
+            </a:pPr>
+            <a:r>
+              <a:rPr sz="2300" b="1"/>
+              <a:t>✅ Assignment</a:t>
+            </a:r>
+            <a:endParaRPr sz="2300" b="1"/>
+          </a:p>
+          <a:p>
+            <a:pPr>
+              <a:spcAft>
+                <a:spcPct val="60000"/>
+              </a:spcAft>
+            </a:pPr>
+            <a:r>
+              <a:rPr sz="2200" b="1"/>
+              <a:t>🧠 Build a Gesture-Controlled App using MediaPipe:</a:t>
+            </a:r>
+            <a:endParaRPr sz="2200" b="1"/>
+          </a:p>
+          <a:p>
+            <a:pPr>
+              <a:buFont typeface="Arial" panose="020B0604020202020204"/>
+              <a:buChar char="•"/>
+            </a:pPr>
+            <a:r>
+              <a:rPr sz="1600"/>
+              <a:t>Use the Hand Module.</a:t>
+            </a:r>
+            <a:endParaRPr sz="1600"/>
+          </a:p>
+          <a:p>
+            <a:pPr>
+              <a:buFont typeface="Arial" panose="020B0604020202020204"/>
+              <a:buChar char="•"/>
+            </a:pPr>
+            <a:endParaRPr sz="1600"/>
+          </a:p>
+          <a:p>
+            <a:pPr>
+              <a:buFont typeface="Arial" panose="020B0604020202020204"/>
+              <a:buChar char="•"/>
+            </a:pPr>
+            <a:r>
+              <a:rPr sz="1600"/>
+              <a:t>Implement at least 3 gestures:</a:t>
+            </a:r>
+            <a:endParaRPr sz="1600"/>
+          </a:p>
+          <a:p>
+            <a:pPr>
+              <a:buFont typeface="Arial" panose="020B0604020202020204"/>
+              <a:buChar char="•"/>
+            </a:pPr>
+            <a:endParaRPr sz="1600"/>
+          </a:p>
+          <a:p>
+            <a:pPr lvl="1">
+              <a:buFont typeface="Arial" panose="020B0604020202020204"/>
+              <a:buChar char="◦"/>
+            </a:pPr>
+            <a:r>
+              <a:rPr sz="1600"/>
+              <a:t>✋ Show palm → “Pause”</a:t>
+            </a:r>
+            <a:endParaRPr sz="1600"/>
+          </a:p>
+          <a:p>
+            <a:pPr lvl="1">
+              <a:buFont typeface="Arial" panose="020B0604020202020204"/>
+              <a:buChar char="◦"/>
+            </a:pPr>
+            <a:endParaRPr sz="1600"/>
+          </a:p>
+          <a:p>
+            <a:pPr lvl="1">
+              <a:buFont typeface="Arial" panose="020B0604020202020204"/>
+              <a:buChar char="◦"/>
+            </a:pPr>
+            <a:r>
+              <a:rPr sz="1600"/>
+              <a:t>👊 Fist → “Play”</a:t>
+            </a:r>
+            <a:endParaRPr sz="1600"/>
+          </a:p>
+          <a:p>
+            <a:pPr lvl="1">
+              <a:buFont typeface="Arial" panose="020B0604020202020204"/>
+              <a:buChar char="◦"/>
+            </a:pPr>
+            <a:endParaRPr sz="1600"/>
+          </a:p>
+          <a:p>
+            <a:pPr lvl="1">
+              <a:buFont typeface="Arial" panose="020B0604020202020204"/>
+              <a:buChar char="◦"/>
+            </a:pPr>
+            <a:r>
+              <a:rPr sz="1600"/>
+              <a:t>🤏 Pinch → “Screenshot”</a:t>
+            </a:r>
+            <a:endParaRPr sz="1600"/>
+          </a:p>
+          <a:p>
+            <a:r>
+              <a:rPr sz="1600"/>
+              <a:t>Bonus: Integrate sound or webcam snapshot actions based on gesture.</a:t>
+            </a:r>
+            <a:endParaRPr sz="1600"/>
+          </a:p>
+        </p:txBody>
+      </p:sp>
+    </p:spTree>
+  </p:cSld>
+  <p:clrMapOvr>
+    <a:masterClrMapping/>
+  </p:clrMapOvr>
+</p:sld>
+</file>
+
+<file path=ppt/slides/slide3.xml><?xml version="1.0" encoding="utf-8"?>
+<p:sld xmlns:a="http://schemas.openxmlformats.org/drawingml/2006/main" xmlns:r="http://schemas.openxmlformats.org/officeDocument/2006/relationships" xmlns:p="http://schemas.openxmlformats.org/presentationml/2006/main">
+  <p:cSld>
+    <p:spTree>
+      <p:nvGrpSpPr>
+        <p:cNvPr id="1" name=""/>
+        <p:cNvGrpSpPr/>
+        <p:nvPr/>
+      </p:nvGrpSpPr>
+      <p:grpSpPr/>
+      <p:sp>
+        <p:nvSpPr>
+          <p:cNvPr id="2" name="Text Box 1"/>
+          <p:cNvSpPr txBox="1"/>
+          <p:nvPr/>
+        </p:nvSpPr>
+        <p:spPr>
+          <a:xfrm>
+            <a:off x="329565" y="586740"/>
+            <a:ext cx="6096000" cy="4408805"/>
+          </a:xfrm>
+          <a:prstGeom prst="rect">
+            <a:avLst/>
+          </a:prstGeom>
+          <a:noFill/>
+        </p:spPr>
+        <p:txBody>
+          <a:bodyPr wrap="square" rtlCol="0" anchor="t">
+            <a:spAutoFit/>
+          </a:bodyPr>
+          <a:p>
+            <a:pPr marL="342900" indent="-342900">
+              <a:lnSpc>
+                <a:spcPct val="180000"/>
+              </a:lnSpc>
+              <a:buAutoNum type="arabicPeriod"/>
+            </a:pPr>
+            <a:r>
+              <a:rPr lang="en-IN" altLang="en-US" sz="2400" b="1">
+                <a:effectLst>
+                  <a:outerShdw blurRad="38100" dist="38100" dir="2700000" algn="tl">
+                    <a:srgbClr val="000000">
+                      <a:alpha val="43137"/>
+                    </a:srgbClr>
+                  </a:outerShdw>
+                </a:effectLst>
+                <a:sym typeface="+mn-ea"/>
+              </a:rPr>
+              <a:t>Image Classification</a:t>
+            </a:r>
+            <a:r>
+              <a:rPr lang="en-US" altLang="en-IN" sz="2400" b="1">
+                <a:effectLst>
+                  <a:outerShdw blurRad="38100" dist="38100" dir="2700000" algn="tl">
+                    <a:srgbClr val="000000">
+                      <a:alpha val="43137"/>
+                    </a:srgbClr>
+                  </a:outerShdw>
+                </a:effectLst>
+                <a:sym typeface="+mn-ea"/>
+              </a:rPr>
+              <a:t> (binary ,multiclass)</a:t>
+            </a:r>
+            <a:endParaRPr lang="en-IN" altLang="en-US" sz="2400" b="1">
+              <a:effectLst>
+                <a:outerShdw blurRad="38100" dist="38100" dir="2700000" algn="tl">
+                  <a:srgbClr val="000000">
+                    <a:alpha val="43137"/>
+                  </a:srgbClr>
+                </a:outerShdw>
+              </a:effectLst>
+            </a:endParaRPr>
+          </a:p>
+          <a:p>
+            <a:pPr marL="342900" indent="-342900">
+              <a:lnSpc>
+                <a:spcPct val="180000"/>
+              </a:lnSpc>
+              <a:buAutoNum type="arabicPeriod"/>
+            </a:pPr>
+            <a:r>
+              <a:rPr lang="en-IN" altLang="en-US" sz="2400" b="1">
+                <a:effectLst>
+                  <a:outerShdw blurRad="38100" dist="38100" dir="2700000" algn="tl">
+                    <a:srgbClr val="000000">
+                      <a:alpha val="43137"/>
+                    </a:srgbClr>
+                  </a:outerShdw>
+                </a:effectLst>
+                <a:sym typeface="+mn-ea"/>
+              </a:rPr>
+              <a:t>Object Detection &amp; Localizations</a:t>
+            </a:r>
+            <a:endParaRPr lang="en-IN" altLang="en-US" sz="2400" b="1">
+              <a:effectLst>
+                <a:outerShdw blurRad="38100" dist="38100" dir="2700000" algn="tl">
+                  <a:srgbClr val="000000">
+                    <a:alpha val="43137"/>
+                  </a:srgbClr>
+                </a:outerShdw>
+              </a:effectLst>
+            </a:endParaRPr>
+          </a:p>
+          <a:p>
+            <a:pPr marL="342900" indent="-342900">
+              <a:lnSpc>
+                <a:spcPct val="180000"/>
+              </a:lnSpc>
+              <a:buAutoNum type="arabicPeriod"/>
+            </a:pPr>
+            <a:r>
+              <a:rPr lang="en-IN" altLang="en-US" sz="2400" b="1">
+                <a:effectLst>
+                  <a:outerShdw blurRad="38100" dist="38100" dir="2700000" algn="tl">
+                    <a:srgbClr val="000000">
+                      <a:alpha val="43137"/>
+                    </a:srgbClr>
+                  </a:outerShdw>
+                </a:effectLst>
+                <a:sym typeface="+mn-ea"/>
+              </a:rPr>
+              <a:t>Image Segmentations</a:t>
+            </a:r>
+            <a:endParaRPr lang="en-IN" altLang="en-US" sz="2400" b="1">
+              <a:effectLst>
+                <a:outerShdw blurRad="38100" dist="38100" dir="2700000" algn="tl">
+                  <a:srgbClr val="000000">
+                    <a:alpha val="43137"/>
+                  </a:srgbClr>
+                </a:outerShdw>
+              </a:effectLst>
+            </a:endParaRPr>
+          </a:p>
+          <a:p>
+            <a:pPr marL="342900" indent="-342900">
+              <a:lnSpc>
+                <a:spcPct val="180000"/>
+              </a:lnSpc>
+              <a:buAutoNum type="arabicPeriod"/>
+            </a:pPr>
+            <a:r>
+              <a:rPr lang="en-IN" altLang="en-US" sz="2400" b="1">
+                <a:effectLst>
+                  <a:outerShdw blurRad="38100" dist="38100" dir="2700000" algn="tl">
+                    <a:srgbClr val="000000">
+                      <a:alpha val="43137"/>
+                    </a:srgbClr>
+                  </a:outerShdw>
+                </a:effectLst>
+                <a:sym typeface="+mn-ea"/>
+              </a:rPr>
+              <a:t>Siamese Network</a:t>
+            </a:r>
+            <a:r>
+              <a:rPr lang="en-US" altLang="en-IN" sz="2400" b="1">
+                <a:effectLst>
+                  <a:outerShdw blurRad="38100" dist="38100" dir="2700000" algn="tl">
+                    <a:srgbClr val="000000">
+                      <a:alpha val="43137"/>
+                    </a:srgbClr>
+                  </a:outerShdw>
+                </a:effectLst>
+                <a:sym typeface="+mn-ea"/>
+              </a:rPr>
+              <a:t> (comparision bw 2 img</a:t>
+            </a:r>
+            <a:endParaRPr lang="en-IN" altLang="en-US" sz="2400" b="1">
+              <a:effectLst>
+                <a:outerShdw blurRad="38100" dist="38100" dir="2700000" algn="tl">
+                  <a:srgbClr val="000000">
+                    <a:alpha val="43137"/>
+                  </a:srgbClr>
+                </a:outerShdw>
+              </a:effectLst>
+            </a:endParaRPr>
+          </a:p>
+          <a:p>
+            <a:pPr marL="342900" indent="-342900">
+              <a:lnSpc>
+                <a:spcPct val="180000"/>
+              </a:lnSpc>
+              <a:buAutoNum type="arabicPeriod"/>
+            </a:pPr>
+            <a:r>
+              <a:rPr lang="en-IN" altLang="en-US" sz="2400" b="1">
+                <a:effectLst>
+                  <a:outerShdw blurRad="38100" dist="38100" dir="2700000" algn="tl">
+                    <a:srgbClr val="000000">
+                      <a:alpha val="43137"/>
+                    </a:srgbClr>
+                  </a:outerShdw>
+                </a:effectLst>
+                <a:sym typeface="+mn-ea"/>
+              </a:rPr>
+              <a:t>GAN(Generative Adversal Networks</a:t>
+            </a:r>
+            <a:r>
+              <a:rPr lang="en-IN" altLang="en-US">
+                <a:sym typeface="+mn-ea"/>
+              </a:rPr>
+              <a:t>)</a:t>
+            </a:r>
+            <a:r>
+              <a:rPr lang="en-US" altLang="en-IN">
+                <a:sym typeface="+mn-ea"/>
+              </a:rPr>
+              <a:t> --&gt; create Syntatic Images</a:t>
+            </a:r>
+            <a:endParaRPr lang="en-IN" altLang="en-US"/>
+          </a:p>
+          <a:p>
+            <a:pPr marL="342900" indent="-342900">
+              <a:lnSpc>
+                <a:spcPct val="180000"/>
+              </a:lnSpc>
+              <a:buAutoNum type="arabicPeriod"/>
+            </a:pPr>
+            <a:endParaRPr lang="en-IN" altLang="en-US"/>
+          </a:p>
+        </p:txBody>
+      </p:sp>
+    </p:spTree>
+  </p:cSld>
+  <p:clrMapOvr>
+    <a:masterClrMapping/>
+  </p:clrMapOvr>
+</p:sld>
+</file>
+
+<file path=ppt/slides/slide4.xml><?xml version="1.0" encoding="utf-8"?>
 <p:sld xmlns:a="http://schemas.openxmlformats.org/drawingml/2006/main" xmlns:r="http://schemas.openxmlformats.org/officeDocument/2006/relationships" xmlns:p="http://schemas.openxmlformats.org/presentationml/2006/main">
   <p:cSld>
     <p:spTree>
@@ -4753,355 +8217,6 @@
 </p:sld>
 </file>
 
-<file path=ppt/slides/slide3.xml><?xml version="1.0" encoding="utf-8"?>
-<p:sld xmlns:a="http://schemas.openxmlformats.org/drawingml/2006/main" xmlns:r="http://schemas.openxmlformats.org/officeDocument/2006/relationships" xmlns:p="http://schemas.openxmlformats.org/presentationml/2006/main">
-  <p:cSld>
-    <p:spTree>
-      <p:nvGrpSpPr>
-        <p:cNvPr id="1" name=""/>
-        <p:cNvGrpSpPr/>
-        <p:nvPr/>
-      </p:nvGrpSpPr>
-      <p:grpSpPr/>
-      <p:sp>
-        <p:nvSpPr>
-          <p:cNvPr id="2" name="Text Box 1"/>
-          <p:cNvSpPr txBox="1"/>
-          <p:nvPr/>
-        </p:nvSpPr>
-        <p:spPr>
-          <a:xfrm>
-            <a:off x="329565" y="586740"/>
-            <a:ext cx="6096000" cy="4408805"/>
-          </a:xfrm>
-          <a:prstGeom prst="rect">
-            <a:avLst/>
-          </a:prstGeom>
-          <a:noFill/>
-        </p:spPr>
-        <p:txBody>
-          <a:bodyPr wrap="square" rtlCol="0" anchor="t">
-            <a:spAutoFit/>
-          </a:bodyPr>
-          <a:p>
-            <a:pPr marL="342900" indent="-342900">
-              <a:lnSpc>
-                <a:spcPct val="180000"/>
-              </a:lnSpc>
-              <a:buAutoNum type="arabicPeriod"/>
-            </a:pPr>
-            <a:r>
-              <a:rPr lang="en-IN" altLang="en-US" sz="2400" b="1">
-                <a:effectLst>
-                  <a:outerShdw blurRad="38100" dist="38100" dir="2700000" algn="tl">
-                    <a:srgbClr val="000000">
-                      <a:alpha val="43137"/>
-                    </a:srgbClr>
-                  </a:outerShdw>
-                </a:effectLst>
-                <a:sym typeface="+mn-ea"/>
-              </a:rPr>
-              <a:t>Image Classification</a:t>
-            </a:r>
-            <a:r>
-              <a:rPr lang="en-US" altLang="en-IN" sz="2400" b="1">
-                <a:effectLst>
-                  <a:outerShdw blurRad="38100" dist="38100" dir="2700000" algn="tl">
-                    <a:srgbClr val="000000">
-                      <a:alpha val="43137"/>
-                    </a:srgbClr>
-                  </a:outerShdw>
-                </a:effectLst>
-                <a:sym typeface="+mn-ea"/>
-              </a:rPr>
-              <a:t> (binary ,multiclass)</a:t>
-            </a:r>
-            <a:endParaRPr lang="en-IN" altLang="en-US" sz="2400" b="1">
-              <a:effectLst>
-                <a:outerShdw blurRad="38100" dist="38100" dir="2700000" algn="tl">
-                  <a:srgbClr val="000000">
-                    <a:alpha val="43137"/>
-                  </a:srgbClr>
-                </a:outerShdw>
-              </a:effectLst>
-            </a:endParaRPr>
-          </a:p>
-          <a:p>
-            <a:pPr marL="342900" indent="-342900">
-              <a:lnSpc>
-                <a:spcPct val="180000"/>
-              </a:lnSpc>
-              <a:buAutoNum type="arabicPeriod"/>
-            </a:pPr>
-            <a:r>
-              <a:rPr lang="en-IN" altLang="en-US" sz="2400" b="1">
-                <a:effectLst>
-                  <a:outerShdw blurRad="38100" dist="38100" dir="2700000" algn="tl">
-                    <a:srgbClr val="000000">
-                      <a:alpha val="43137"/>
-                    </a:srgbClr>
-                  </a:outerShdw>
-                </a:effectLst>
-                <a:sym typeface="+mn-ea"/>
-              </a:rPr>
-              <a:t>Object Detection &amp; Localizations</a:t>
-            </a:r>
-            <a:endParaRPr lang="en-IN" altLang="en-US" sz="2400" b="1">
-              <a:effectLst>
-                <a:outerShdw blurRad="38100" dist="38100" dir="2700000" algn="tl">
-                  <a:srgbClr val="000000">
-                    <a:alpha val="43137"/>
-                  </a:srgbClr>
-                </a:outerShdw>
-              </a:effectLst>
-            </a:endParaRPr>
-          </a:p>
-          <a:p>
-            <a:pPr marL="342900" indent="-342900">
-              <a:lnSpc>
-                <a:spcPct val="180000"/>
-              </a:lnSpc>
-              <a:buAutoNum type="arabicPeriod"/>
-            </a:pPr>
-            <a:r>
-              <a:rPr lang="en-IN" altLang="en-US" sz="2400" b="1">
-                <a:effectLst>
-                  <a:outerShdw blurRad="38100" dist="38100" dir="2700000" algn="tl">
-                    <a:srgbClr val="000000">
-                      <a:alpha val="43137"/>
-                    </a:srgbClr>
-                  </a:outerShdw>
-                </a:effectLst>
-                <a:sym typeface="+mn-ea"/>
-              </a:rPr>
-              <a:t>Image Segmentations</a:t>
-            </a:r>
-            <a:endParaRPr lang="en-IN" altLang="en-US" sz="2400" b="1">
-              <a:effectLst>
-                <a:outerShdw blurRad="38100" dist="38100" dir="2700000" algn="tl">
-                  <a:srgbClr val="000000">
-                    <a:alpha val="43137"/>
-                  </a:srgbClr>
-                </a:outerShdw>
-              </a:effectLst>
-            </a:endParaRPr>
-          </a:p>
-          <a:p>
-            <a:pPr marL="342900" indent="-342900">
-              <a:lnSpc>
-                <a:spcPct val="180000"/>
-              </a:lnSpc>
-              <a:buAutoNum type="arabicPeriod"/>
-            </a:pPr>
-            <a:r>
-              <a:rPr lang="en-IN" altLang="en-US" sz="2400" b="1">
-                <a:effectLst>
-                  <a:outerShdw blurRad="38100" dist="38100" dir="2700000" algn="tl">
-                    <a:srgbClr val="000000">
-                      <a:alpha val="43137"/>
-                    </a:srgbClr>
-                  </a:outerShdw>
-                </a:effectLst>
-                <a:sym typeface="+mn-ea"/>
-              </a:rPr>
-              <a:t>Siamese Network</a:t>
-            </a:r>
-            <a:r>
-              <a:rPr lang="en-US" altLang="en-IN" sz="2400" b="1">
-                <a:effectLst>
-                  <a:outerShdw blurRad="38100" dist="38100" dir="2700000" algn="tl">
-                    <a:srgbClr val="000000">
-                      <a:alpha val="43137"/>
-                    </a:srgbClr>
-                  </a:outerShdw>
-                </a:effectLst>
-                <a:sym typeface="+mn-ea"/>
-              </a:rPr>
-              <a:t> (comparision bw 2 img</a:t>
-            </a:r>
-            <a:endParaRPr lang="en-IN" altLang="en-US" sz="2400" b="1">
-              <a:effectLst>
-                <a:outerShdw blurRad="38100" dist="38100" dir="2700000" algn="tl">
-                  <a:srgbClr val="000000">
-                    <a:alpha val="43137"/>
-                  </a:srgbClr>
-                </a:outerShdw>
-              </a:effectLst>
-            </a:endParaRPr>
-          </a:p>
-          <a:p>
-            <a:pPr marL="342900" indent="-342900">
-              <a:lnSpc>
-                <a:spcPct val="180000"/>
-              </a:lnSpc>
-              <a:buAutoNum type="arabicPeriod"/>
-            </a:pPr>
-            <a:r>
-              <a:rPr lang="en-IN" altLang="en-US" sz="2400" b="1">
-                <a:effectLst>
-                  <a:outerShdw blurRad="38100" dist="38100" dir="2700000" algn="tl">
-                    <a:srgbClr val="000000">
-                      <a:alpha val="43137"/>
-                    </a:srgbClr>
-                  </a:outerShdw>
-                </a:effectLst>
-                <a:sym typeface="+mn-ea"/>
-              </a:rPr>
-              <a:t>GAN(Generative Adversal Networks</a:t>
-            </a:r>
-            <a:r>
-              <a:rPr lang="en-IN" altLang="en-US">
-                <a:sym typeface="+mn-ea"/>
-              </a:rPr>
-              <a:t>)</a:t>
-            </a:r>
-            <a:r>
-              <a:rPr lang="en-US" altLang="en-IN">
-                <a:sym typeface="+mn-ea"/>
-              </a:rPr>
-              <a:t> --&gt; create Syntatic Images</a:t>
-            </a:r>
-            <a:endParaRPr lang="en-IN" altLang="en-US"/>
-          </a:p>
-          <a:p>
-            <a:pPr marL="342900" indent="-342900">
-              <a:lnSpc>
-                <a:spcPct val="180000"/>
-              </a:lnSpc>
-              <a:buAutoNum type="arabicPeriod"/>
-            </a:pPr>
-            <a:endParaRPr lang="en-IN" altLang="en-US"/>
-          </a:p>
-        </p:txBody>
-      </p:sp>
-    </p:spTree>
-  </p:cSld>
-  <p:clrMapOvr>
-    <a:masterClrMapping/>
-  </p:clrMapOvr>
-</p:sld>
-</file>
-
-<file path=ppt/slides/slide4.xml><?xml version="1.0" encoding="utf-8"?>
-<p:sld xmlns:a="http://schemas.openxmlformats.org/drawingml/2006/main" xmlns:r="http://schemas.openxmlformats.org/officeDocument/2006/relationships" xmlns:p="http://schemas.openxmlformats.org/presentationml/2006/main">
-  <p:cSld>
-    <p:spTree>
-      <p:nvGrpSpPr>
-        <p:cNvPr id="1" name=""/>
-        <p:cNvGrpSpPr/>
-        <p:nvPr/>
-      </p:nvGrpSpPr>
-      <p:grpSpPr/>
-      <p:sp>
-        <p:nvSpPr>
-          <p:cNvPr id="3" name="Text Box 2"/>
-          <p:cNvSpPr txBox="1"/>
-          <p:nvPr/>
-        </p:nvSpPr>
-        <p:spPr>
-          <a:xfrm>
-            <a:off x="1109345" y="326390"/>
-            <a:ext cx="5080000" cy="1460500"/>
-          </a:xfrm>
-          <a:prstGeom prst="rect">
-            <a:avLst/>
-          </a:prstGeom>
-        </p:spPr>
-        <p:txBody>
-          <a:bodyPr>
-            <a:spAutoFit/>
-          </a:bodyPr>
-          <a:p>
-            <a:pPr marL="0" indent="0">
-              <a:spcBef>
-                <a:spcPts val="1000"/>
-              </a:spcBef>
-              <a:spcAft>
-                <a:spcPts val="500"/>
-              </a:spcAft>
-            </a:pPr>
-            <a:r>
-              <a:rPr lang="en-US" altLang="en-US" sz="2000" b="0" i="0">
-                <a:solidFill>
-                  <a:srgbClr val="333333"/>
-                </a:solidFill>
-                <a:latin typeface="Tomorrow"/>
-                <a:ea typeface="Tomorrow"/>
-              </a:rPr>
-              <a:t>Image Classification - FACE RECOGNITION PROJECT  </a:t>
-            </a:r>
-            <a:endParaRPr lang="en-US" altLang="en-US" sz="2000" b="0" i="0">
-              <a:solidFill>
-                <a:srgbClr val="333333"/>
-              </a:solidFill>
-              <a:latin typeface="Tomorrow"/>
-              <a:ea typeface="Tomorrow"/>
-            </a:endParaRPr>
-          </a:p>
-          <a:p>
-            <a:pPr marL="0" indent="0">
-              <a:spcBef>
-                <a:spcPts val="1000"/>
-              </a:spcBef>
-              <a:spcAft>
-                <a:spcPts val="500"/>
-              </a:spcAft>
-            </a:pPr>
-            <a:r>
-              <a:rPr lang="en-US" altLang="en-US" sz="1200" b="0" i="0">
-                <a:solidFill>
-                  <a:srgbClr val="333333"/>
-                </a:solidFill>
-                <a:latin typeface="Tomorrow"/>
-                <a:ea typeface="Tomorrow"/>
-              </a:rPr>
-              <a:t>Haar Cascade Clasifier</a:t>
-            </a:r>
-            <a:endParaRPr lang="en-US" altLang="en-US" sz="1200" b="0" i="0">
-              <a:solidFill>
-                <a:srgbClr val="333333"/>
-              </a:solidFill>
-              <a:latin typeface="Tomorrow"/>
-              <a:ea typeface="Tomorrow"/>
-            </a:endParaRPr>
-          </a:p>
-          <a:p>
-            <a:pPr marL="0" indent="0">
-              <a:spcBef>
-                <a:spcPts val="1000"/>
-              </a:spcBef>
-              <a:spcAft>
-                <a:spcPts val="500"/>
-              </a:spcAft>
-            </a:pPr>
-            <a:r>
-              <a:rPr lang="en-US" altLang="en-US" sz="1200" b="0" i="0">
-                <a:solidFill>
-                  <a:srgbClr val="333333"/>
-                </a:solidFill>
-                <a:latin typeface="Tomorrow"/>
-                <a:ea typeface="Tomorrow"/>
-              </a:rPr>
-              <a:t>Image Classification with CNN</a:t>
-            </a:r>
-            <a:endParaRPr lang="en-US" altLang="en-US" sz="1600" b="0" i="0">
-              <a:solidFill>
-                <a:srgbClr val="333333"/>
-              </a:solidFill>
-              <a:latin typeface="Tomorrow"/>
-              <a:ea typeface="Tomorrow"/>
-            </a:endParaRPr>
-          </a:p>
-        </p:txBody>
-      </p:sp>
-    </p:spTree>
-  </p:cSld>
-  <p:clrMapOvr>
-    <a:masterClrMapping/>
-  </p:clrMapOvr>
-</p:sld>
-</file>
-
 <file path=ppt/slides/slide5.xml><?xml version="1.0" encoding="utf-8"?>
 <p:sld xmlns:a="http://schemas.openxmlformats.org/drawingml/2006/main" xmlns:r="http://schemas.openxmlformats.org/officeDocument/2006/relationships" xmlns:p="http://schemas.openxmlformats.org/presentationml/2006/main">
   <p:cSld>
@@ -5691,7 +8806,7 @@
         <p:spPr>
           <a:xfrm>
             <a:off x="95885" y="0"/>
-            <a:ext cx="6208395" cy="7574280"/>
+            <a:ext cx="6208395" cy="5170805"/>
           </a:xfrm>
           <a:prstGeom prst="rect">
             <a:avLst/>
@@ -5850,45 +8965,30 @@
                 <a:spcPct val="60000"/>
               </a:spcAft>
             </a:pPr>
-            <a:r>
-              <a:rPr sz="2200" b="1"/>
-              <a:t>❌ Limitations</a:t>
-            </a:r>
-            <a:endParaRPr sz="2200" b="1"/>
-          </a:p>
-          <a:p>
-            <a:pPr>
-              <a:buFont typeface="Arial" panose="020B0604020202020204"/>
-              <a:buChar char="•"/>
-            </a:pPr>
-            <a:r>
-              <a:rPr sz="1600"/>
-              <a:t>Highly sensitive to noise</a:t>
-            </a:r>
-            <a:endParaRPr sz="1600"/>
-          </a:p>
-          <a:p>
-            <a:pPr>
-              <a:buFont typeface="Arial" panose="020B0604020202020204"/>
-              <a:buChar char="•"/>
-            </a:pPr>
-            <a:r>
-              <a:rPr sz="1600"/>
-              <a:t>Might detect false edges (reflections, shadows)</a:t>
-            </a:r>
-            <a:endParaRPr sz="1600"/>
-          </a:p>
-          <a:p>
-            <a:pPr>
-              <a:buFont typeface="Arial" panose="020B0604020202020204"/>
-              <a:buChar char="•"/>
-            </a:pPr>
-            <a:r>
-              <a:rPr sz="1600"/>
-              <a:t>Cannot classify defect type (just detects edges)</a:t>
-            </a:r>
-            <a:endParaRPr sz="1600"/>
-          </a:p>
+            <a:endParaRPr sz="1600"/>
+          </a:p>
+        </p:txBody>
+      </p:sp>
+      <p:sp>
+        <p:nvSpPr>
+          <p:cNvPr id="3" name="Text Box 2"/>
+          <p:cNvSpPr txBox="1"/>
+          <p:nvPr/>
+        </p:nvSpPr>
+        <p:spPr>
+          <a:xfrm>
+            <a:off x="5782945" y="3971925"/>
+            <a:ext cx="6409055" cy="2740660"/>
+          </a:xfrm>
+          <a:prstGeom prst="rect">
+            <a:avLst/>
+          </a:prstGeom>
+          <a:noFill/>
+        </p:spPr>
+        <p:txBody>
+          <a:bodyPr wrap="square" rtlCol="0" anchor="t">
+            <a:spAutoFit/>
+          </a:bodyPr>
           <a:p>
             <a:pPr>
               <a:spcAft>
@@ -5896,7 +8996,62 @@
               </a:spcAft>
             </a:pPr>
             <a:r>
-              <a:rPr sz="2200" b="1"/>
+              <a:rPr sz="2200" b="1">
+                <a:sym typeface="+mn-ea"/>
+              </a:rPr>
+              <a:t>❌ Limitations</a:t>
+            </a:r>
+            <a:endParaRPr sz="2200" b="1"/>
+          </a:p>
+          <a:p>
+            <a:pPr>
+              <a:buFont typeface="Arial" panose="020B0604020202020204"/>
+              <a:buChar char="•"/>
+            </a:pPr>
+            <a:r>
+              <a:rPr sz="1600">
+                <a:sym typeface="+mn-ea"/>
+              </a:rPr>
+              <a:t>Highly sensitive to noise</a:t>
+            </a:r>
+            <a:endParaRPr sz="1600"/>
+          </a:p>
+          <a:p>
+            <a:pPr>
+              <a:buFont typeface="Arial" panose="020B0604020202020204"/>
+              <a:buChar char="•"/>
+            </a:pPr>
+            <a:r>
+              <a:rPr sz="1600">
+                <a:sym typeface="+mn-ea"/>
+              </a:rPr>
+              <a:t>Might detect false edges (reflections, shadows)</a:t>
+            </a:r>
+            <a:endParaRPr sz="1600"/>
+          </a:p>
+          <a:p>
+            <a:pPr>
+              <a:buFont typeface="Arial" panose="020B0604020202020204"/>
+              <a:buChar char="•"/>
+            </a:pPr>
+            <a:r>
+              <a:rPr sz="1600">
+                <a:sym typeface="+mn-ea"/>
+              </a:rPr>
+              <a:t>Cannot classify defect type (just detects edges)</a:t>
+            </a:r>
+            <a:endParaRPr sz="1600"/>
+          </a:p>
+          <a:p>
+            <a:pPr>
+              <a:spcAft>
+                <a:spcPct val="60000"/>
+              </a:spcAft>
+            </a:pPr>
+            <a:r>
+              <a:rPr sz="2200" b="1">
+                <a:sym typeface="+mn-ea"/>
+              </a:rPr>
               <a:t>🛠 How to Overcome</a:t>
             </a:r>
             <a:endParaRPr sz="2200" b="1"/>
@@ -5907,7 +9062,9 @@
               <a:buChar char="•"/>
             </a:pPr>
             <a:r>
-              <a:rPr sz="1600"/>
+              <a:rPr sz="1600">
+                <a:sym typeface="+mn-ea"/>
+              </a:rPr>
               <a:t>Use preprocessing like Gaussian blur to reduce noise</a:t>
             </a:r>
             <a:endParaRPr sz="1600"/>
@@ -5918,7 +9075,9 @@
               <a:buChar char="•"/>
             </a:pPr>
             <a:r>
-              <a:rPr sz="1600"/>
+              <a:rPr sz="1600">
+                <a:sym typeface="+mn-ea"/>
+              </a:rPr>
               <a:t>Combine edge maps with contour detection or morphology</a:t>
             </a:r>
             <a:endParaRPr sz="1600"/>
@@ -5929,10 +9088,14 @@
               <a:buChar char="•"/>
             </a:pPr>
             <a:r>
-              <a:rPr sz="1600"/>
+              <a:rPr sz="1600">
+                <a:sym typeface="+mn-ea"/>
+              </a:rPr>
               <a:t>Integrate with ML/CNN models to classify defects based on edge maps</a:t>
             </a:r>
-            <a:endParaRPr sz="1600"/>
+            <a:endParaRPr lang="en-US" sz="1600">
+              <a:sym typeface="+mn-ea"/>
+            </a:endParaRPr>
           </a:p>
         </p:txBody>
       </p:sp>
@@ -5962,8 +9125,8 @@
         </p:nvSpPr>
         <p:spPr>
           <a:xfrm>
-            <a:off x="281940" y="125413"/>
-            <a:ext cx="5080000" cy="337185"/>
+            <a:off x="281940" y="-317"/>
+            <a:ext cx="5080000" cy="521970"/>
           </a:xfrm>
           <a:prstGeom prst="rect">
             <a:avLst/>
@@ -5980,10 +9143,32 @@
               </a:spcAft>
             </a:pPr>
             <a:r>
-              <a:rPr sz="1600" b="1"/>
+              <a:rPr sz="2800" b="1">
+                <a:solidFill>
+                  <a:srgbClr val="FF0000"/>
+                </a:solidFill>
+                <a:effectLst>
+                  <a:outerShdw blurRad="38100" dist="38100" dir="2700000" algn="tl">
+                    <a:srgbClr val="000000">
+                      <a:alpha val="43137"/>
+                    </a:srgbClr>
+                  </a:outerShdw>
+                </a:effectLst>
+              </a:rPr>
               <a:t>🌍 Real-World Scenarios</a:t>
             </a:r>
-            <a:endParaRPr sz="1600" b="1"/>
+            <a:endParaRPr sz="2800" b="1">
+              <a:solidFill>
+                <a:srgbClr val="FF0000"/>
+              </a:solidFill>
+              <a:effectLst>
+                <a:outerShdw blurRad="38100" dist="38100" dir="2700000" algn="tl">
+                  <a:srgbClr val="000000">
+                    <a:alpha val="43137"/>
+                  </a:srgbClr>
+                </a:outerShdw>
+              </a:effectLst>
+            </a:endParaRPr>
           </a:p>
         </p:txBody>
       </p:sp>

--- a/9.Deep_learning/class_9_CV_Topics_project.pptx
+++ b/9.Deep_learning/class_9_CV_Topics_project.pptx
@@ -9600,7 +9600,7 @@
         </p:nvSpPr>
         <p:spPr>
           <a:xfrm>
-            <a:off x="887730" y="5030470"/>
+            <a:off x="1031240" y="5030470"/>
             <a:ext cx="10580370" cy="368300"/>
           </a:xfrm>
           <a:prstGeom prst="rect">
@@ -9618,6 +9618,107 @@
               <a:t>https://www.analyticsvidhya.com/blog/2023/08/introduction-and-implementation-of-siamese-networks/</a:t>
             </a:r>
             <a:endParaRPr lang="en-US"/>
+          </a:p>
+        </p:txBody>
+      </p:sp>
+      <p:sp>
+        <p:nvSpPr>
+          <p:cNvPr id="4" name="Text Box 3"/>
+          <p:cNvSpPr txBox="1"/>
+          <p:nvPr/>
+        </p:nvSpPr>
+        <p:spPr>
+          <a:xfrm>
+            <a:off x="988695" y="5306060"/>
+            <a:ext cx="9304655" cy="368300"/>
+          </a:xfrm>
+          <a:prstGeom prst="rect">
+            <a:avLst/>
+          </a:prstGeom>
+          <a:noFill/>
+        </p:spPr>
+        <p:txBody>
+          <a:bodyPr wrap="square" rtlCol="0" anchor="t">
+            <a:spAutoFit/>
+          </a:bodyPr>
+          <a:p>
+            <a:r>
+              <a:rPr lang="en-US" altLang="en-US"/>
+              <a:t>https://www.geeksforgeeks.org/cifar-10-image-classification-in-tensorflow/</a:t>
+            </a:r>
+            <a:endParaRPr lang="en-US"/>
+          </a:p>
+        </p:txBody>
+      </p:sp>
+      <p:sp>
+        <p:nvSpPr>
+          <p:cNvPr id="5" name="Text Box 4"/>
+          <p:cNvSpPr txBox="1"/>
+          <p:nvPr/>
+        </p:nvSpPr>
+        <p:spPr>
+          <a:xfrm>
+            <a:off x="988695" y="5621655"/>
+            <a:ext cx="8166100" cy="368300"/>
+          </a:xfrm>
+          <a:prstGeom prst="rect">
+            <a:avLst/>
+          </a:prstGeom>
+          <a:noFill/>
+        </p:spPr>
+        <p:txBody>
+          <a:bodyPr wrap="square" rtlCol="0" anchor="t">
+            <a:spAutoFit/>
+          </a:bodyPr>
+          <a:p>
+            <a:r>
+              <a:rPr lang="en-US" altLang="en-US"/>
+              <a:t>https://www.geeksforgeeks.org/python-image-classification-using-keras/</a:t>
+            </a:r>
+            <a:endParaRPr lang="en-US"/>
+          </a:p>
+        </p:txBody>
+      </p:sp>
+      <p:sp>
+        <p:nvSpPr>
+          <p:cNvPr id="6" name="Text Box 5"/>
+          <p:cNvSpPr txBox="1"/>
+          <p:nvPr/>
+        </p:nvSpPr>
+        <p:spPr>
+          <a:xfrm>
+            <a:off x="988695" y="5902960"/>
+            <a:ext cx="10622915" cy="922020"/>
+          </a:xfrm>
+          <a:prstGeom prst="rect">
+            <a:avLst/>
+          </a:prstGeom>
+          <a:noFill/>
+        </p:spPr>
+        <p:txBody>
+          <a:bodyPr wrap="square" rtlCol="0" anchor="t">
+            <a:spAutoFit/>
+          </a:bodyPr>
+          <a:p>
+            <a:r>
+              <a:rPr lang="en-US" altLang="en-US"/>
+              <a:t>https://www.geeksforgeeks.org/object-detection-vs-object-recognition-vs-image-segmentation/</a:t>
+            </a:r>
+            <a:endParaRPr lang="en-US" altLang="en-US"/>
+          </a:p>
+          <a:p>
+            <a:r>
+              <a:rPr lang="en-US" altLang="en-US"/>
+              <a:t>https://www.geeksforgeeks.org/yolo-v2-object-detection/   https://yolov8.com/</a:t>
+            </a:r>
+            <a:endParaRPr lang="en-US" altLang="en-US"/>
+          </a:p>
+          <a:p>
+            <a:r>
+              <a:rPr lang="en-US" altLang="en-US"/>
+              <a:t>https://youtube.com/playlist?list=PLZCA39VpuaZZ1cjH4vEIdXIb0dCpZs3Y5&amp;si=_reS59AkQ13wsUCu yolo8</a:t>
+            </a:r>
+            <a:endParaRPr lang="en-US" altLang="en-US"/>
           </a:p>
         </p:txBody>
       </p:sp>
